--- a/previous_question/1장-우리가 사는 세상을 어떻게 살펴볼까.pptx
+++ b/previous_question/1장-우리가 사는 세상을 어떻게 살펴볼까.pptx
@@ -6,13 +6,17 @@
   </p:sldMasterIdLst>
   <p:sldIdLst>
     <p:sldId id="256" r:id="rId2"/>
-    <p:sldId id="275" r:id="rId3"/>
-    <p:sldId id="276" r:id="rId4"/>
-    <p:sldId id="278" r:id="rId5"/>
+    <p:sldId id="283" r:id="rId3"/>
+    <p:sldId id="275" r:id="rId4"/>
+    <p:sldId id="276" r:id="rId5"/>
     <p:sldId id="273" r:id="rId6"/>
     <p:sldId id="274" r:id="rId7"/>
-    <p:sldId id="257" r:id="rId8"/>
-    <p:sldId id="258" r:id="rId9"/>
+    <p:sldId id="279" r:id="rId8"/>
+    <p:sldId id="280" r:id="rId9"/>
+    <p:sldId id="257" r:id="rId10"/>
+    <p:sldId id="258" r:id="rId11"/>
+    <p:sldId id="281" r:id="rId12"/>
+    <p:sldId id="282" r:id="rId13"/>
   </p:sldIdLst>
   <p:sldSz cx="12192000" cy="6858000"/>
   <p:notesSz cx="6858000" cy="9144000"/>
@@ -266,7 +270,7 @@
           <a:p>
             <a:fld id="{BEFD91D8-0AEC-4011-B9A2-28CCE99346D9}" type="datetimeFigureOut">
               <a:rPr lang="ko-KR" altLang="en-US" smtClean="0"/>
-              <a:t>2021-11-08</a:t>
+              <a:t>2021-11-10</a:t>
             </a:fld>
             <a:endParaRPr lang="ko-KR" altLang="en-US"/>
           </a:p>
@@ -464,7 +468,7 @@
           <a:p>
             <a:fld id="{BEFD91D8-0AEC-4011-B9A2-28CCE99346D9}" type="datetimeFigureOut">
               <a:rPr lang="ko-KR" altLang="en-US" smtClean="0"/>
-              <a:t>2021-11-08</a:t>
+              <a:t>2021-11-10</a:t>
             </a:fld>
             <a:endParaRPr lang="ko-KR" altLang="en-US"/>
           </a:p>
@@ -672,7 +676,7 @@
           <a:p>
             <a:fld id="{BEFD91D8-0AEC-4011-B9A2-28CCE99346D9}" type="datetimeFigureOut">
               <a:rPr lang="ko-KR" altLang="en-US" smtClean="0"/>
-              <a:t>2021-11-08</a:t>
+              <a:t>2021-11-10</a:t>
             </a:fld>
             <a:endParaRPr lang="ko-KR" altLang="en-US"/>
           </a:p>
@@ -870,7 +874,7 @@
           <a:p>
             <a:fld id="{BEFD91D8-0AEC-4011-B9A2-28CCE99346D9}" type="datetimeFigureOut">
               <a:rPr lang="ko-KR" altLang="en-US" smtClean="0"/>
-              <a:t>2021-11-08</a:t>
+              <a:t>2021-11-10</a:t>
             </a:fld>
             <a:endParaRPr lang="ko-KR" altLang="en-US"/>
           </a:p>
@@ -1145,7 +1149,7 @@
           <a:p>
             <a:fld id="{BEFD91D8-0AEC-4011-B9A2-28CCE99346D9}" type="datetimeFigureOut">
               <a:rPr lang="ko-KR" altLang="en-US" smtClean="0"/>
-              <a:t>2021-11-08</a:t>
+              <a:t>2021-11-10</a:t>
             </a:fld>
             <a:endParaRPr lang="ko-KR" altLang="en-US"/>
           </a:p>
@@ -1410,7 +1414,7 @@
           <a:p>
             <a:fld id="{BEFD91D8-0AEC-4011-B9A2-28CCE99346D9}" type="datetimeFigureOut">
               <a:rPr lang="ko-KR" altLang="en-US" smtClean="0"/>
-              <a:t>2021-11-08</a:t>
+              <a:t>2021-11-10</a:t>
             </a:fld>
             <a:endParaRPr lang="ko-KR" altLang="en-US"/>
           </a:p>
@@ -1822,7 +1826,7 @@
           <a:p>
             <a:fld id="{BEFD91D8-0AEC-4011-B9A2-28CCE99346D9}" type="datetimeFigureOut">
               <a:rPr lang="ko-KR" altLang="en-US" smtClean="0"/>
-              <a:t>2021-11-08</a:t>
+              <a:t>2021-11-10</a:t>
             </a:fld>
             <a:endParaRPr lang="ko-KR" altLang="en-US"/>
           </a:p>
@@ -1963,7 +1967,7 @@
           <a:p>
             <a:fld id="{BEFD91D8-0AEC-4011-B9A2-28CCE99346D9}" type="datetimeFigureOut">
               <a:rPr lang="ko-KR" altLang="en-US" smtClean="0"/>
-              <a:t>2021-11-08</a:t>
+              <a:t>2021-11-10</a:t>
             </a:fld>
             <a:endParaRPr lang="ko-KR" altLang="en-US"/>
           </a:p>
@@ -2076,7 +2080,7 @@
           <a:p>
             <a:fld id="{BEFD91D8-0AEC-4011-B9A2-28CCE99346D9}" type="datetimeFigureOut">
               <a:rPr lang="ko-KR" altLang="en-US" smtClean="0"/>
-              <a:t>2021-11-08</a:t>
+              <a:t>2021-11-10</a:t>
             </a:fld>
             <a:endParaRPr lang="ko-KR" altLang="en-US"/>
           </a:p>
@@ -2387,7 +2391,7 @@
           <a:p>
             <a:fld id="{BEFD91D8-0AEC-4011-B9A2-28CCE99346D9}" type="datetimeFigureOut">
               <a:rPr lang="ko-KR" altLang="en-US" smtClean="0"/>
-              <a:t>2021-11-08</a:t>
+              <a:t>2021-11-10</a:t>
             </a:fld>
             <a:endParaRPr lang="ko-KR" altLang="en-US"/>
           </a:p>
@@ -2675,7 +2679,7 @@
           <a:p>
             <a:fld id="{BEFD91D8-0AEC-4011-B9A2-28CCE99346D9}" type="datetimeFigureOut">
               <a:rPr lang="ko-KR" altLang="en-US" smtClean="0"/>
-              <a:t>2021-11-08</a:t>
+              <a:t>2021-11-10</a:t>
             </a:fld>
             <a:endParaRPr lang="ko-KR" altLang="en-US"/>
           </a:p>
@@ -2916,7 +2920,7 @@
           <a:p>
             <a:fld id="{BEFD91D8-0AEC-4011-B9A2-28CCE99346D9}" type="datetimeFigureOut">
               <a:rPr lang="ko-KR" altLang="en-US" smtClean="0"/>
-              <a:t>2021-11-08</a:t>
+              <a:t>2021-11-10</a:t>
             </a:fld>
             <a:endParaRPr lang="ko-KR" altLang="en-US"/>
           </a:p>
@@ -3413,6 +3417,1001 @@
 </p:sld>
 </file>
 
+<file path=ppt/slides/slide10.xml><?xml version="1.0" encoding="utf-8"?>
+<p:sld xmlns:a="http://schemas.openxmlformats.org/drawingml/2006/main" xmlns:r="http://schemas.openxmlformats.org/officeDocument/2006/relationships" xmlns:p="http://schemas.openxmlformats.org/presentationml/2006/main">
+  <p:cSld>
+    <p:spTree>
+      <p:nvGrpSpPr>
+        <p:cNvPr id="1" name=""/>
+        <p:cNvGrpSpPr/>
+        <p:nvPr/>
+      </p:nvGrpSpPr>
+      <p:grpSpPr>
+        <a:xfrm>
+          <a:off x="0" y="0"/>
+          <a:ext cx="0" cy="0"/>
+          <a:chOff x="0" y="0"/>
+          <a:chExt cx="0" cy="0"/>
+        </a:xfrm>
+      </p:grpSpPr>
+      <p:pic>
+        <p:nvPicPr>
+          <p:cNvPr id="3" name="그림 2">
+            <a:extLst>
+              <a:ext uri="{FF2B5EF4-FFF2-40B4-BE49-F238E27FC236}">
+                <a16:creationId xmlns:a16="http://schemas.microsoft.com/office/drawing/2014/main" id="{9D5A32B2-3840-4A41-9299-55CBFA094AFA}"/>
+              </a:ext>
+            </a:extLst>
+          </p:cNvPr>
+          <p:cNvPicPr>
+            <a:picLocks noChangeAspect="1"/>
+          </p:cNvPicPr>
+          <p:nvPr/>
+        </p:nvPicPr>
+        <p:blipFill>
+          <a:blip r:embed="rId2">
+            <a:extLst>
+              <a:ext uri="{28A0092B-C50C-407E-A947-70E740481C1C}">
+                <a14:useLocalDpi xmlns:a14="http://schemas.microsoft.com/office/drawing/2010/main" val="0"/>
+              </a:ext>
+            </a:extLst>
+          </a:blip>
+          <a:stretch>
+            <a:fillRect/>
+          </a:stretch>
+        </p:blipFill>
+        <p:spPr>
+          <a:xfrm>
+            <a:off x="827583" y="889579"/>
+            <a:ext cx="2983968" cy="2293235"/>
+          </a:xfrm>
+          <a:prstGeom prst="rect">
+            <a:avLst/>
+          </a:prstGeom>
+        </p:spPr>
+      </p:pic>
+      <p:sp>
+        <p:nvSpPr>
+          <p:cNvPr id="18" name="TextBox 17">
+            <a:extLst>
+              <a:ext uri="{FF2B5EF4-FFF2-40B4-BE49-F238E27FC236}">
+                <a16:creationId xmlns:a16="http://schemas.microsoft.com/office/drawing/2014/main" id="{171DF94C-0343-4DB6-A335-59E5EF5ADCBE}"/>
+              </a:ext>
+            </a:extLst>
+          </p:cNvPr>
+          <p:cNvSpPr txBox="1"/>
+          <p:nvPr/>
+        </p:nvSpPr>
+        <p:spPr>
+          <a:xfrm>
+            <a:off x="827583" y="612581"/>
+            <a:ext cx="2097031" cy="276999"/>
+          </a:xfrm>
+          <a:prstGeom prst="rect">
+            <a:avLst/>
+          </a:prstGeom>
+          <a:noFill/>
+        </p:spPr>
+        <p:txBody>
+          <a:bodyPr wrap="square" rtlCol="0">
+            <a:spAutoFit/>
+          </a:bodyPr>
+          <a:lstStyle/>
+          <a:p>
+            <a:r>
+              <a:rPr lang="en-US" altLang="ko-KR" sz="1200" dirty="0">
+                <a:latin typeface="KoPub돋움체 Bold" panose="02020603020101020101" pitchFamily="18" charset="-127"/>
+                <a:ea typeface="KoPub돋움체 Bold" panose="02020603020101020101" pitchFamily="18" charset="-127"/>
+              </a:rPr>
+              <a:t>2019</a:t>
+            </a:r>
+            <a:r>
+              <a:rPr lang="ko-KR" altLang="en-US" sz="1200" dirty="0">
+                <a:latin typeface="KoPub돋움체 Bold" panose="02020603020101020101" pitchFamily="18" charset="-127"/>
+                <a:ea typeface="KoPub돋움체 Bold" panose="02020603020101020101" pitchFamily="18" charset="-127"/>
+              </a:rPr>
+              <a:t>년도 </a:t>
+            </a:r>
+            <a:r>
+              <a:rPr lang="en-US" altLang="ko-KR" sz="1200" dirty="0">
+                <a:latin typeface="KoPub돋움체 Bold" panose="02020603020101020101" pitchFamily="18" charset="-127"/>
+                <a:ea typeface="KoPub돋움체 Bold" panose="02020603020101020101" pitchFamily="18" charset="-127"/>
+              </a:rPr>
+              <a:t>2</a:t>
+            </a:r>
+            <a:r>
+              <a:rPr lang="ko-KR" altLang="en-US" sz="1200" dirty="0">
+                <a:latin typeface="KoPub돋움체 Bold" panose="02020603020101020101" pitchFamily="18" charset="-127"/>
+                <a:ea typeface="KoPub돋움체 Bold" panose="02020603020101020101" pitchFamily="18" charset="-127"/>
+              </a:rPr>
+              <a:t>학기</a:t>
+            </a:r>
+          </a:p>
+        </p:txBody>
+      </p:sp>
+      <p:pic>
+        <p:nvPicPr>
+          <p:cNvPr id="4" name="그림 3">
+            <a:extLst>
+              <a:ext uri="{FF2B5EF4-FFF2-40B4-BE49-F238E27FC236}">
+                <a16:creationId xmlns:a16="http://schemas.microsoft.com/office/drawing/2014/main" id="{A5FB3412-46B1-4EF5-96BE-C72E41EACBA6}"/>
+              </a:ext>
+            </a:extLst>
+          </p:cNvPr>
+          <p:cNvPicPr>
+            <a:picLocks noChangeAspect="1"/>
+          </p:cNvPicPr>
+          <p:nvPr/>
+        </p:nvPicPr>
+        <p:blipFill>
+          <a:blip r:embed="rId3">
+            <a:extLst>
+              <a:ext uri="{28A0092B-C50C-407E-A947-70E740481C1C}">
+                <a14:useLocalDpi xmlns:a14="http://schemas.microsoft.com/office/drawing/2010/main" val="0"/>
+              </a:ext>
+            </a:extLst>
+          </a:blip>
+          <a:stretch>
+            <a:fillRect/>
+          </a:stretch>
+        </p:blipFill>
+        <p:spPr>
+          <a:xfrm>
+            <a:off x="4169770" y="889580"/>
+            <a:ext cx="3332999" cy="1199879"/>
+          </a:xfrm>
+          <a:prstGeom prst="rect">
+            <a:avLst/>
+          </a:prstGeom>
+        </p:spPr>
+      </p:pic>
+      <p:sp>
+        <p:nvSpPr>
+          <p:cNvPr id="6" name="TextBox 5">
+            <a:extLst>
+              <a:ext uri="{FF2B5EF4-FFF2-40B4-BE49-F238E27FC236}">
+                <a16:creationId xmlns:a16="http://schemas.microsoft.com/office/drawing/2014/main" id="{2551BA29-EB09-4280-8778-94F21EADFF46}"/>
+              </a:ext>
+            </a:extLst>
+          </p:cNvPr>
+          <p:cNvSpPr txBox="1"/>
+          <p:nvPr/>
+        </p:nvSpPr>
+        <p:spPr>
+          <a:xfrm>
+            <a:off x="4169770" y="612581"/>
+            <a:ext cx="2097031" cy="276999"/>
+          </a:xfrm>
+          <a:prstGeom prst="rect">
+            <a:avLst/>
+          </a:prstGeom>
+          <a:noFill/>
+        </p:spPr>
+        <p:txBody>
+          <a:bodyPr wrap="square" rtlCol="0">
+            <a:spAutoFit/>
+          </a:bodyPr>
+          <a:lstStyle/>
+          <a:p>
+            <a:r>
+              <a:rPr lang="en-US" altLang="ko-KR" sz="1200" dirty="0">
+                <a:latin typeface="KoPub돋움체 Bold" panose="02020603020101020101" pitchFamily="18" charset="-127"/>
+                <a:ea typeface="KoPub돋움체 Bold" panose="02020603020101020101" pitchFamily="18" charset="-127"/>
+              </a:rPr>
+              <a:t>2018</a:t>
+            </a:r>
+            <a:r>
+              <a:rPr lang="ko-KR" altLang="en-US" sz="1200" dirty="0">
+                <a:latin typeface="KoPub돋움체 Bold" panose="02020603020101020101" pitchFamily="18" charset="-127"/>
+                <a:ea typeface="KoPub돋움체 Bold" panose="02020603020101020101" pitchFamily="18" charset="-127"/>
+              </a:rPr>
+              <a:t>년도 </a:t>
+            </a:r>
+            <a:r>
+              <a:rPr lang="en-US" altLang="ko-KR" sz="1200" dirty="0">
+                <a:latin typeface="KoPub돋움체 Bold" panose="02020603020101020101" pitchFamily="18" charset="-127"/>
+                <a:ea typeface="KoPub돋움체 Bold" panose="02020603020101020101" pitchFamily="18" charset="-127"/>
+              </a:rPr>
+              <a:t>2</a:t>
+            </a:r>
+            <a:r>
+              <a:rPr lang="ko-KR" altLang="en-US" sz="1200" dirty="0">
+                <a:latin typeface="KoPub돋움체 Bold" panose="02020603020101020101" pitchFamily="18" charset="-127"/>
+                <a:ea typeface="KoPub돋움체 Bold" panose="02020603020101020101" pitchFamily="18" charset="-127"/>
+              </a:rPr>
+              <a:t>학기</a:t>
+            </a:r>
+          </a:p>
+        </p:txBody>
+      </p:sp>
+      <p:pic>
+        <p:nvPicPr>
+          <p:cNvPr id="7" name="그림 6">
+            <a:extLst>
+              <a:ext uri="{FF2B5EF4-FFF2-40B4-BE49-F238E27FC236}">
+                <a16:creationId xmlns:a16="http://schemas.microsoft.com/office/drawing/2014/main" id="{0A5ABD3B-006D-4948-BA96-1328027AAAB6}"/>
+              </a:ext>
+            </a:extLst>
+          </p:cNvPr>
+          <p:cNvPicPr>
+            <a:picLocks noChangeAspect="1"/>
+          </p:cNvPicPr>
+          <p:nvPr/>
+        </p:nvPicPr>
+        <p:blipFill>
+          <a:blip r:embed="rId4">
+            <a:extLst>
+              <a:ext uri="{28A0092B-C50C-407E-A947-70E740481C1C}">
+                <a14:useLocalDpi xmlns:a14="http://schemas.microsoft.com/office/drawing/2010/main" val="0"/>
+              </a:ext>
+            </a:extLst>
+          </a:blip>
+          <a:stretch>
+            <a:fillRect/>
+          </a:stretch>
+        </p:blipFill>
+        <p:spPr>
+          <a:xfrm>
+            <a:off x="827583" y="3856892"/>
+            <a:ext cx="2983968" cy="2322716"/>
+          </a:xfrm>
+          <a:prstGeom prst="rect">
+            <a:avLst/>
+          </a:prstGeom>
+        </p:spPr>
+      </p:pic>
+      <p:sp>
+        <p:nvSpPr>
+          <p:cNvPr id="9" name="TextBox 8">
+            <a:extLst>
+              <a:ext uri="{FF2B5EF4-FFF2-40B4-BE49-F238E27FC236}">
+                <a16:creationId xmlns:a16="http://schemas.microsoft.com/office/drawing/2014/main" id="{1DEFB4F9-E03A-415E-8FDC-DBA990DF67E3}"/>
+              </a:ext>
+            </a:extLst>
+          </p:cNvPr>
+          <p:cNvSpPr txBox="1"/>
+          <p:nvPr/>
+        </p:nvSpPr>
+        <p:spPr>
+          <a:xfrm>
+            <a:off x="827582" y="3579893"/>
+            <a:ext cx="2097031" cy="276999"/>
+          </a:xfrm>
+          <a:prstGeom prst="rect">
+            <a:avLst/>
+          </a:prstGeom>
+          <a:noFill/>
+        </p:spPr>
+        <p:txBody>
+          <a:bodyPr wrap="square" rtlCol="0">
+            <a:spAutoFit/>
+          </a:bodyPr>
+          <a:lstStyle/>
+          <a:p>
+            <a:r>
+              <a:rPr lang="en-US" altLang="ko-KR" sz="1200" dirty="0">
+                <a:latin typeface="KoPub돋움체 Bold" panose="02020603020101020101" pitchFamily="18" charset="-127"/>
+                <a:ea typeface="KoPub돋움체 Bold" panose="02020603020101020101" pitchFamily="18" charset="-127"/>
+              </a:rPr>
+              <a:t>2017</a:t>
+            </a:r>
+            <a:r>
+              <a:rPr lang="ko-KR" altLang="en-US" sz="1200" dirty="0">
+                <a:latin typeface="KoPub돋움체 Bold" panose="02020603020101020101" pitchFamily="18" charset="-127"/>
+                <a:ea typeface="KoPub돋움체 Bold" panose="02020603020101020101" pitchFamily="18" charset="-127"/>
+              </a:rPr>
+              <a:t>년도 </a:t>
+            </a:r>
+            <a:r>
+              <a:rPr lang="en-US" altLang="ko-KR" sz="1200" dirty="0">
+                <a:latin typeface="KoPub돋움체 Bold" panose="02020603020101020101" pitchFamily="18" charset="-127"/>
+                <a:ea typeface="KoPub돋움체 Bold" panose="02020603020101020101" pitchFamily="18" charset="-127"/>
+              </a:rPr>
+              <a:t>2</a:t>
+            </a:r>
+            <a:r>
+              <a:rPr lang="ko-KR" altLang="en-US" sz="1200" dirty="0">
+                <a:latin typeface="KoPub돋움체 Bold" panose="02020603020101020101" pitchFamily="18" charset="-127"/>
+                <a:ea typeface="KoPub돋움체 Bold" panose="02020603020101020101" pitchFamily="18" charset="-127"/>
+              </a:rPr>
+              <a:t>학기</a:t>
+            </a:r>
+          </a:p>
+        </p:txBody>
+      </p:sp>
+      <p:pic>
+        <p:nvPicPr>
+          <p:cNvPr id="10" name="그림 9">
+            <a:extLst>
+              <a:ext uri="{FF2B5EF4-FFF2-40B4-BE49-F238E27FC236}">
+                <a16:creationId xmlns:a16="http://schemas.microsoft.com/office/drawing/2014/main" id="{AC1B158B-73C0-4DD1-B431-B2C58AD464C3}"/>
+              </a:ext>
+            </a:extLst>
+          </p:cNvPr>
+          <p:cNvPicPr>
+            <a:picLocks noChangeAspect="1"/>
+          </p:cNvPicPr>
+          <p:nvPr/>
+        </p:nvPicPr>
+        <p:blipFill>
+          <a:blip r:embed="rId5">
+            <a:extLst>
+              <a:ext uri="{28A0092B-C50C-407E-A947-70E740481C1C}">
+                <a14:useLocalDpi xmlns:a14="http://schemas.microsoft.com/office/drawing/2010/main" val="0"/>
+              </a:ext>
+            </a:extLst>
+          </a:blip>
+          <a:stretch>
+            <a:fillRect/>
+          </a:stretch>
+        </p:blipFill>
+        <p:spPr>
+          <a:xfrm>
+            <a:off x="3936438" y="3856893"/>
+            <a:ext cx="3138439" cy="1103050"/>
+          </a:xfrm>
+          <a:prstGeom prst="rect">
+            <a:avLst/>
+          </a:prstGeom>
+        </p:spPr>
+      </p:pic>
+      <p:sp>
+        <p:nvSpPr>
+          <p:cNvPr id="12" name="TextBox 11">
+            <a:extLst>
+              <a:ext uri="{FF2B5EF4-FFF2-40B4-BE49-F238E27FC236}">
+                <a16:creationId xmlns:a16="http://schemas.microsoft.com/office/drawing/2014/main" id="{FFC48D94-CF5E-4312-BBCB-2FA9D4634179}"/>
+              </a:ext>
+            </a:extLst>
+          </p:cNvPr>
+          <p:cNvSpPr txBox="1"/>
+          <p:nvPr/>
+        </p:nvSpPr>
+        <p:spPr>
+          <a:xfrm>
+            <a:off x="7860987" y="3579892"/>
+            <a:ext cx="2097031" cy="276999"/>
+          </a:xfrm>
+          <a:prstGeom prst="rect">
+            <a:avLst/>
+          </a:prstGeom>
+          <a:noFill/>
+        </p:spPr>
+        <p:txBody>
+          <a:bodyPr wrap="square" rtlCol="0">
+            <a:spAutoFit/>
+          </a:bodyPr>
+          <a:lstStyle/>
+          <a:p>
+            <a:r>
+              <a:rPr lang="en-US" altLang="ko-KR" sz="1200" dirty="0">
+                <a:latin typeface="KoPub돋움체 Bold" panose="02020603020101020101" pitchFamily="18" charset="-127"/>
+                <a:ea typeface="KoPub돋움체 Bold" panose="02020603020101020101" pitchFamily="18" charset="-127"/>
+              </a:rPr>
+              <a:t>2014</a:t>
+            </a:r>
+            <a:r>
+              <a:rPr lang="ko-KR" altLang="en-US" sz="1200" dirty="0">
+                <a:latin typeface="KoPub돋움체 Bold" panose="02020603020101020101" pitchFamily="18" charset="-127"/>
+                <a:ea typeface="KoPub돋움체 Bold" panose="02020603020101020101" pitchFamily="18" charset="-127"/>
+              </a:rPr>
+              <a:t>년도 </a:t>
+            </a:r>
+            <a:r>
+              <a:rPr lang="en-US" altLang="ko-KR" sz="1200" dirty="0">
+                <a:latin typeface="KoPub돋움체 Bold" panose="02020603020101020101" pitchFamily="18" charset="-127"/>
+                <a:ea typeface="KoPub돋움체 Bold" panose="02020603020101020101" pitchFamily="18" charset="-127"/>
+              </a:rPr>
+              <a:t>2</a:t>
+            </a:r>
+            <a:r>
+              <a:rPr lang="ko-KR" altLang="en-US" sz="1200" dirty="0">
+                <a:latin typeface="KoPub돋움체 Bold" panose="02020603020101020101" pitchFamily="18" charset="-127"/>
+                <a:ea typeface="KoPub돋움체 Bold" panose="02020603020101020101" pitchFamily="18" charset="-127"/>
+              </a:rPr>
+              <a:t>학기</a:t>
+            </a:r>
+          </a:p>
+        </p:txBody>
+      </p:sp>
+      <p:pic>
+        <p:nvPicPr>
+          <p:cNvPr id="13" name="그림 12">
+            <a:extLst>
+              <a:ext uri="{FF2B5EF4-FFF2-40B4-BE49-F238E27FC236}">
+                <a16:creationId xmlns:a16="http://schemas.microsoft.com/office/drawing/2014/main" id="{998FB648-E4D2-4268-B255-878C21578CD7}"/>
+              </a:ext>
+            </a:extLst>
+          </p:cNvPr>
+          <p:cNvPicPr>
+            <a:picLocks noChangeAspect="1"/>
+          </p:cNvPicPr>
+          <p:nvPr/>
+        </p:nvPicPr>
+        <p:blipFill>
+          <a:blip r:embed="rId6">
+            <a:extLst>
+              <a:ext uri="{28A0092B-C50C-407E-A947-70E740481C1C}">
+                <a14:useLocalDpi xmlns:a14="http://schemas.microsoft.com/office/drawing/2010/main" val="0"/>
+              </a:ext>
+            </a:extLst>
+          </a:blip>
+          <a:stretch>
+            <a:fillRect/>
+          </a:stretch>
+        </p:blipFill>
+        <p:spPr>
+          <a:xfrm>
+            <a:off x="7860989" y="889580"/>
+            <a:ext cx="3826920" cy="942450"/>
+          </a:xfrm>
+          <a:prstGeom prst="rect">
+            <a:avLst/>
+          </a:prstGeom>
+        </p:spPr>
+      </p:pic>
+      <p:sp>
+        <p:nvSpPr>
+          <p:cNvPr id="15" name="TextBox 14">
+            <a:extLst>
+              <a:ext uri="{FF2B5EF4-FFF2-40B4-BE49-F238E27FC236}">
+                <a16:creationId xmlns:a16="http://schemas.microsoft.com/office/drawing/2014/main" id="{4B6C7B32-A970-46F1-A64A-C73F83FA046F}"/>
+              </a:ext>
+            </a:extLst>
+          </p:cNvPr>
+          <p:cNvSpPr txBox="1"/>
+          <p:nvPr/>
+        </p:nvSpPr>
+        <p:spPr>
+          <a:xfrm>
+            <a:off x="7860988" y="612581"/>
+            <a:ext cx="2097031" cy="276999"/>
+          </a:xfrm>
+          <a:prstGeom prst="rect">
+            <a:avLst/>
+          </a:prstGeom>
+          <a:noFill/>
+        </p:spPr>
+        <p:txBody>
+          <a:bodyPr wrap="square" rtlCol="0">
+            <a:spAutoFit/>
+          </a:bodyPr>
+          <a:lstStyle/>
+          <a:p>
+            <a:r>
+              <a:rPr lang="en-US" altLang="ko-KR" sz="1200" dirty="0">
+                <a:latin typeface="KoPub돋움체 Bold" panose="02020603020101020101" pitchFamily="18" charset="-127"/>
+                <a:ea typeface="KoPub돋움체 Bold" panose="02020603020101020101" pitchFamily="18" charset="-127"/>
+              </a:rPr>
+              <a:t>2015</a:t>
+            </a:r>
+            <a:r>
+              <a:rPr lang="ko-KR" altLang="en-US" sz="1200" dirty="0">
+                <a:latin typeface="KoPub돋움체 Bold" panose="02020603020101020101" pitchFamily="18" charset="-127"/>
+                <a:ea typeface="KoPub돋움체 Bold" panose="02020603020101020101" pitchFamily="18" charset="-127"/>
+              </a:rPr>
+              <a:t>년도 </a:t>
+            </a:r>
+            <a:r>
+              <a:rPr lang="en-US" altLang="ko-KR" sz="1200" dirty="0">
+                <a:latin typeface="KoPub돋움체 Bold" panose="02020603020101020101" pitchFamily="18" charset="-127"/>
+                <a:ea typeface="KoPub돋움체 Bold" panose="02020603020101020101" pitchFamily="18" charset="-127"/>
+              </a:rPr>
+              <a:t>2</a:t>
+            </a:r>
+            <a:r>
+              <a:rPr lang="ko-KR" altLang="en-US" sz="1200" dirty="0">
+                <a:latin typeface="KoPub돋움체 Bold" panose="02020603020101020101" pitchFamily="18" charset="-127"/>
+                <a:ea typeface="KoPub돋움체 Bold" panose="02020603020101020101" pitchFamily="18" charset="-127"/>
+              </a:rPr>
+              <a:t>학기</a:t>
+            </a:r>
+          </a:p>
+        </p:txBody>
+      </p:sp>
+      <p:pic>
+        <p:nvPicPr>
+          <p:cNvPr id="16" name="그림 15">
+            <a:extLst>
+              <a:ext uri="{FF2B5EF4-FFF2-40B4-BE49-F238E27FC236}">
+                <a16:creationId xmlns:a16="http://schemas.microsoft.com/office/drawing/2014/main" id="{E7B77CF6-A3B6-489E-A0D6-75C0B99498EF}"/>
+              </a:ext>
+            </a:extLst>
+          </p:cNvPr>
+          <p:cNvPicPr>
+            <a:picLocks noChangeAspect="1"/>
+          </p:cNvPicPr>
+          <p:nvPr/>
+        </p:nvPicPr>
+        <p:blipFill>
+          <a:blip r:embed="rId7">
+            <a:extLst>
+              <a:ext uri="{28A0092B-C50C-407E-A947-70E740481C1C}">
+                <a14:useLocalDpi xmlns:a14="http://schemas.microsoft.com/office/drawing/2010/main" val="0"/>
+              </a:ext>
+            </a:extLst>
+          </a:blip>
+          <a:stretch>
+            <a:fillRect/>
+          </a:stretch>
+        </p:blipFill>
+        <p:spPr>
+          <a:xfrm>
+            <a:off x="7860987" y="3856892"/>
+            <a:ext cx="3874873" cy="1169079"/>
+          </a:xfrm>
+          <a:prstGeom prst="rect">
+            <a:avLst/>
+          </a:prstGeom>
+        </p:spPr>
+      </p:pic>
+      <p:sp>
+        <p:nvSpPr>
+          <p:cNvPr id="19" name="TextBox 18">
+            <a:extLst>
+              <a:ext uri="{FF2B5EF4-FFF2-40B4-BE49-F238E27FC236}">
+                <a16:creationId xmlns:a16="http://schemas.microsoft.com/office/drawing/2014/main" id="{BA21D010-8119-4833-9FAD-2F4F97696DC1}"/>
+              </a:ext>
+            </a:extLst>
+          </p:cNvPr>
+          <p:cNvSpPr txBox="1"/>
+          <p:nvPr/>
+        </p:nvSpPr>
+        <p:spPr>
+          <a:xfrm>
+            <a:off x="4088838" y="3732293"/>
+            <a:ext cx="2097031" cy="276999"/>
+          </a:xfrm>
+          <a:prstGeom prst="rect">
+            <a:avLst/>
+          </a:prstGeom>
+          <a:noFill/>
+        </p:spPr>
+        <p:txBody>
+          <a:bodyPr wrap="square" rtlCol="0">
+            <a:spAutoFit/>
+          </a:bodyPr>
+          <a:lstStyle/>
+          <a:p>
+            <a:r>
+              <a:rPr lang="en-US" altLang="ko-KR" sz="1200" dirty="0">
+                <a:latin typeface="KoPub돋움체 Bold" panose="02020603020101020101" pitchFamily="18" charset="-127"/>
+                <a:ea typeface="KoPub돋움체 Bold" panose="02020603020101020101" pitchFamily="18" charset="-127"/>
+              </a:rPr>
+              <a:t>2016</a:t>
+            </a:r>
+            <a:r>
+              <a:rPr lang="ko-KR" altLang="en-US" sz="1200" dirty="0">
+                <a:latin typeface="KoPub돋움체 Bold" panose="02020603020101020101" pitchFamily="18" charset="-127"/>
+                <a:ea typeface="KoPub돋움체 Bold" panose="02020603020101020101" pitchFamily="18" charset="-127"/>
+              </a:rPr>
+              <a:t>년도 </a:t>
+            </a:r>
+            <a:r>
+              <a:rPr lang="en-US" altLang="ko-KR" sz="1200" dirty="0">
+                <a:latin typeface="KoPub돋움체 Bold" panose="02020603020101020101" pitchFamily="18" charset="-127"/>
+                <a:ea typeface="KoPub돋움체 Bold" panose="02020603020101020101" pitchFamily="18" charset="-127"/>
+              </a:rPr>
+              <a:t>2</a:t>
+            </a:r>
+            <a:r>
+              <a:rPr lang="ko-KR" altLang="en-US" sz="1200" dirty="0">
+                <a:latin typeface="KoPub돋움체 Bold" panose="02020603020101020101" pitchFamily="18" charset="-127"/>
+                <a:ea typeface="KoPub돋움체 Bold" panose="02020603020101020101" pitchFamily="18" charset="-127"/>
+              </a:rPr>
+              <a:t>학기</a:t>
+            </a:r>
+          </a:p>
+        </p:txBody>
+      </p:sp>
+    </p:spTree>
+    <p:extLst>
+      <p:ext uri="{BB962C8B-B14F-4D97-AF65-F5344CB8AC3E}">
+        <p14:creationId xmlns:p14="http://schemas.microsoft.com/office/powerpoint/2010/main" val="483452587"/>
+      </p:ext>
+    </p:extLst>
+  </p:cSld>
+  <p:clrMapOvr>
+    <a:masterClrMapping/>
+  </p:clrMapOvr>
+</p:sld>
+</file>
+
+<file path=ppt/slides/slide11.xml><?xml version="1.0" encoding="utf-8"?>
+<p:sld xmlns:a="http://schemas.openxmlformats.org/drawingml/2006/main" xmlns:r="http://schemas.openxmlformats.org/officeDocument/2006/relationships" xmlns:p="http://schemas.openxmlformats.org/presentationml/2006/main">
+  <p:cSld>
+    <p:spTree>
+      <p:nvGrpSpPr>
+        <p:cNvPr id="1" name=""/>
+        <p:cNvGrpSpPr/>
+        <p:nvPr/>
+      </p:nvGrpSpPr>
+      <p:grpSpPr>
+        <a:xfrm>
+          <a:off x="0" y="0"/>
+          <a:ext cx="0" cy="0"/>
+          <a:chOff x="0" y="0"/>
+          <a:chExt cx="0" cy="0"/>
+        </a:xfrm>
+      </p:grpSpPr>
+      <p:sp>
+        <p:nvSpPr>
+          <p:cNvPr id="4" name="TextBox 3">
+            <a:extLst>
+              <a:ext uri="{FF2B5EF4-FFF2-40B4-BE49-F238E27FC236}">
+                <a16:creationId xmlns:a16="http://schemas.microsoft.com/office/drawing/2014/main" id="{AE2D8C9B-8D25-4937-BDCF-C250B7D4D721}"/>
+              </a:ext>
+            </a:extLst>
+          </p:cNvPr>
+          <p:cNvSpPr txBox="1"/>
+          <p:nvPr/>
+        </p:nvSpPr>
+        <p:spPr>
+          <a:xfrm>
+            <a:off x="1947862" y="3075057"/>
+            <a:ext cx="8296276" cy="707886"/>
+          </a:xfrm>
+          <a:prstGeom prst="rect">
+            <a:avLst/>
+          </a:prstGeom>
+          <a:noFill/>
+        </p:spPr>
+        <p:txBody>
+          <a:bodyPr wrap="square" rtlCol="0">
+            <a:spAutoFit/>
+          </a:bodyPr>
+          <a:lstStyle/>
+          <a:p>
+            <a:pPr algn="ctr"/>
+            <a:r>
+              <a:rPr lang="en-US" altLang="ko-KR" sz="4000" dirty="0">
+                <a:latin typeface="KoPub돋움체 Bold" panose="02020603020101020101" pitchFamily="18" charset="-127"/>
+                <a:ea typeface="KoPub돋움체 Bold" panose="02020603020101020101" pitchFamily="18" charset="-127"/>
+              </a:rPr>
+              <a:t>1.5 </a:t>
+            </a:r>
+            <a:r>
+              <a:rPr lang="ko-KR" altLang="en-US" sz="4000" dirty="0">
+                <a:latin typeface="KoPub돋움체 Bold" panose="02020603020101020101" pitchFamily="18" charset="-127"/>
+                <a:ea typeface="KoPub돋움체 Bold" panose="02020603020101020101" pitchFamily="18" charset="-127"/>
+              </a:rPr>
+              <a:t>우리나라 살림살이는 어떻게 변했나</a:t>
+            </a:r>
+            <a:endParaRPr lang="en-US" altLang="ko-KR" sz="2000" dirty="0">
+              <a:latin typeface="KoPub돋움체 Bold" panose="02020603020101020101" pitchFamily="18" charset="-127"/>
+              <a:ea typeface="KoPub돋움체 Bold" panose="02020603020101020101" pitchFamily="18" charset="-127"/>
+            </a:endParaRPr>
+          </a:p>
+        </p:txBody>
+      </p:sp>
+    </p:spTree>
+    <p:extLst>
+      <p:ext uri="{BB962C8B-B14F-4D97-AF65-F5344CB8AC3E}">
+        <p14:creationId xmlns:p14="http://schemas.microsoft.com/office/powerpoint/2010/main" val="804006780"/>
+      </p:ext>
+    </p:extLst>
+  </p:cSld>
+  <p:clrMapOvr>
+    <a:masterClrMapping/>
+  </p:clrMapOvr>
+</p:sld>
+</file>
+
+<file path=ppt/slides/slide12.xml><?xml version="1.0" encoding="utf-8"?>
+<p:sld xmlns:a="http://schemas.openxmlformats.org/drawingml/2006/main" xmlns:r="http://schemas.openxmlformats.org/officeDocument/2006/relationships" xmlns:p="http://schemas.openxmlformats.org/presentationml/2006/main">
+  <p:cSld>
+    <p:spTree>
+      <p:nvGrpSpPr>
+        <p:cNvPr id="1" name=""/>
+        <p:cNvGrpSpPr/>
+        <p:nvPr/>
+      </p:nvGrpSpPr>
+      <p:grpSpPr>
+        <a:xfrm>
+          <a:off x="0" y="0"/>
+          <a:ext cx="0" cy="0"/>
+          <a:chOff x="0" y="0"/>
+          <a:chExt cx="0" cy="0"/>
+        </a:xfrm>
+      </p:grpSpPr>
+      <p:sp>
+        <p:nvSpPr>
+          <p:cNvPr id="18" name="TextBox 17">
+            <a:extLst>
+              <a:ext uri="{FF2B5EF4-FFF2-40B4-BE49-F238E27FC236}">
+                <a16:creationId xmlns:a16="http://schemas.microsoft.com/office/drawing/2014/main" id="{171DF94C-0343-4DB6-A335-59E5EF5ADCBE}"/>
+              </a:ext>
+            </a:extLst>
+          </p:cNvPr>
+          <p:cNvSpPr txBox="1"/>
+          <p:nvPr/>
+        </p:nvSpPr>
+        <p:spPr>
+          <a:xfrm>
+            <a:off x="827583" y="612581"/>
+            <a:ext cx="2097031" cy="276999"/>
+          </a:xfrm>
+          <a:prstGeom prst="rect">
+            <a:avLst/>
+          </a:prstGeom>
+          <a:noFill/>
+        </p:spPr>
+        <p:txBody>
+          <a:bodyPr wrap="square" rtlCol="0">
+            <a:spAutoFit/>
+          </a:bodyPr>
+          <a:lstStyle/>
+          <a:p>
+            <a:r>
+              <a:rPr lang="en-US" altLang="ko-KR" sz="1200" dirty="0">
+                <a:latin typeface="KoPub돋움체 Bold" panose="02020603020101020101" pitchFamily="18" charset="-127"/>
+                <a:ea typeface="KoPub돋움체 Bold" panose="02020603020101020101" pitchFamily="18" charset="-127"/>
+              </a:rPr>
+              <a:t>2018</a:t>
+            </a:r>
+            <a:r>
+              <a:rPr lang="ko-KR" altLang="en-US" sz="1200" dirty="0">
+                <a:latin typeface="KoPub돋움체 Bold" panose="02020603020101020101" pitchFamily="18" charset="-127"/>
+                <a:ea typeface="KoPub돋움체 Bold" panose="02020603020101020101" pitchFamily="18" charset="-127"/>
+              </a:rPr>
+              <a:t>년도 </a:t>
+            </a:r>
+            <a:r>
+              <a:rPr lang="en-US" altLang="ko-KR" sz="1200" dirty="0">
+                <a:latin typeface="KoPub돋움체 Bold" panose="02020603020101020101" pitchFamily="18" charset="-127"/>
+                <a:ea typeface="KoPub돋움체 Bold" panose="02020603020101020101" pitchFamily="18" charset="-127"/>
+              </a:rPr>
+              <a:t>2</a:t>
+            </a:r>
+            <a:r>
+              <a:rPr lang="ko-KR" altLang="en-US" sz="1200" dirty="0">
+                <a:latin typeface="KoPub돋움체 Bold" panose="02020603020101020101" pitchFamily="18" charset="-127"/>
+                <a:ea typeface="KoPub돋움체 Bold" panose="02020603020101020101" pitchFamily="18" charset="-127"/>
+              </a:rPr>
+              <a:t>학기</a:t>
+            </a:r>
+          </a:p>
+        </p:txBody>
+      </p:sp>
+      <p:pic>
+        <p:nvPicPr>
+          <p:cNvPr id="4" name="그림 3">
+            <a:extLst>
+              <a:ext uri="{FF2B5EF4-FFF2-40B4-BE49-F238E27FC236}">
+                <a16:creationId xmlns:a16="http://schemas.microsoft.com/office/drawing/2014/main" id="{7816B5A1-DDCD-4B20-8D8F-54CA03614858}"/>
+              </a:ext>
+            </a:extLst>
+          </p:cNvPr>
+          <p:cNvPicPr>
+            <a:picLocks noChangeAspect="1"/>
+          </p:cNvPicPr>
+          <p:nvPr/>
+        </p:nvPicPr>
+        <p:blipFill>
+          <a:blip r:embed="rId2">
+            <a:extLst>
+              <a:ext uri="{28A0092B-C50C-407E-A947-70E740481C1C}">
+                <a14:useLocalDpi xmlns:a14="http://schemas.microsoft.com/office/drawing/2010/main" val="0"/>
+              </a:ext>
+            </a:extLst>
+          </a:blip>
+          <a:stretch>
+            <a:fillRect/>
+          </a:stretch>
+        </p:blipFill>
+        <p:spPr>
+          <a:xfrm>
+            <a:off x="827583" y="889580"/>
+            <a:ext cx="3357555" cy="795540"/>
+          </a:xfrm>
+          <a:prstGeom prst="rect">
+            <a:avLst/>
+          </a:prstGeom>
+        </p:spPr>
+      </p:pic>
+      <p:pic>
+        <p:nvPicPr>
+          <p:cNvPr id="6" name="그림 5">
+            <a:extLst>
+              <a:ext uri="{FF2B5EF4-FFF2-40B4-BE49-F238E27FC236}">
+                <a16:creationId xmlns:a16="http://schemas.microsoft.com/office/drawing/2014/main" id="{78F86483-B195-4CB7-A3A9-2BA298DEED52}"/>
+              </a:ext>
+            </a:extLst>
+          </p:cNvPr>
+          <p:cNvPicPr>
+            <a:picLocks noChangeAspect="1"/>
+          </p:cNvPicPr>
+          <p:nvPr/>
+        </p:nvPicPr>
+        <p:blipFill>
+          <a:blip r:embed="rId3">
+            <a:extLst>
+              <a:ext uri="{28A0092B-C50C-407E-A947-70E740481C1C}">
+                <a14:useLocalDpi xmlns:a14="http://schemas.microsoft.com/office/drawing/2010/main" val="0"/>
+              </a:ext>
+            </a:extLst>
+          </a:blip>
+          <a:stretch>
+            <a:fillRect/>
+          </a:stretch>
+        </p:blipFill>
+        <p:spPr>
+          <a:xfrm>
+            <a:off x="4383340" y="889580"/>
+            <a:ext cx="3101195" cy="1308497"/>
+          </a:xfrm>
+          <a:prstGeom prst="rect">
+            <a:avLst/>
+          </a:prstGeom>
+        </p:spPr>
+      </p:pic>
+      <p:sp>
+        <p:nvSpPr>
+          <p:cNvPr id="8" name="TextBox 7">
+            <a:extLst>
+              <a:ext uri="{FF2B5EF4-FFF2-40B4-BE49-F238E27FC236}">
+                <a16:creationId xmlns:a16="http://schemas.microsoft.com/office/drawing/2014/main" id="{9C4C037D-9794-40F3-B0C0-940E8246D0A4}"/>
+              </a:ext>
+            </a:extLst>
+          </p:cNvPr>
+          <p:cNvSpPr txBox="1"/>
+          <p:nvPr/>
+        </p:nvSpPr>
+        <p:spPr>
+          <a:xfrm>
+            <a:off x="4383340" y="633147"/>
+            <a:ext cx="2097031" cy="276999"/>
+          </a:xfrm>
+          <a:prstGeom prst="rect">
+            <a:avLst/>
+          </a:prstGeom>
+          <a:noFill/>
+        </p:spPr>
+        <p:txBody>
+          <a:bodyPr wrap="square" rtlCol="0">
+            <a:spAutoFit/>
+          </a:bodyPr>
+          <a:lstStyle/>
+          <a:p>
+            <a:r>
+              <a:rPr lang="en-US" altLang="ko-KR" sz="1200" dirty="0">
+                <a:latin typeface="KoPub돋움체 Bold" panose="02020603020101020101" pitchFamily="18" charset="-127"/>
+                <a:ea typeface="KoPub돋움체 Bold" panose="02020603020101020101" pitchFamily="18" charset="-127"/>
+              </a:rPr>
+              <a:t>2016</a:t>
+            </a:r>
+            <a:r>
+              <a:rPr lang="ko-KR" altLang="en-US" sz="1200" dirty="0">
+                <a:latin typeface="KoPub돋움체 Bold" panose="02020603020101020101" pitchFamily="18" charset="-127"/>
+                <a:ea typeface="KoPub돋움체 Bold" panose="02020603020101020101" pitchFamily="18" charset="-127"/>
+              </a:rPr>
+              <a:t>년도 </a:t>
+            </a:r>
+            <a:r>
+              <a:rPr lang="en-US" altLang="ko-KR" sz="1200" dirty="0">
+                <a:latin typeface="KoPub돋움체 Bold" panose="02020603020101020101" pitchFamily="18" charset="-127"/>
+                <a:ea typeface="KoPub돋움체 Bold" panose="02020603020101020101" pitchFamily="18" charset="-127"/>
+              </a:rPr>
+              <a:t>2</a:t>
+            </a:r>
+            <a:r>
+              <a:rPr lang="ko-KR" altLang="en-US" sz="1200" dirty="0">
+                <a:latin typeface="KoPub돋움체 Bold" panose="02020603020101020101" pitchFamily="18" charset="-127"/>
+                <a:ea typeface="KoPub돋움체 Bold" panose="02020603020101020101" pitchFamily="18" charset="-127"/>
+              </a:rPr>
+              <a:t>학기</a:t>
+            </a:r>
+          </a:p>
+        </p:txBody>
+      </p:sp>
+      <p:pic>
+        <p:nvPicPr>
+          <p:cNvPr id="9" name="그림 8">
+            <a:extLst>
+              <a:ext uri="{FF2B5EF4-FFF2-40B4-BE49-F238E27FC236}">
+                <a16:creationId xmlns:a16="http://schemas.microsoft.com/office/drawing/2014/main" id="{88695FE5-8DFA-4730-850B-7EA8DBC9D3A0}"/>
+              </a:ext>
+            </a:extLst>
+          </p:cNvPr>
+          <p:cNvPicPr>
+            <a:picLocks noChangeAspect="1"/>
+          </p:cNvPicPr>
+          <p:nvPr/>
+        </p:nvPicPr>
+        <p:blipFill>
+          <a:blip r:embed="rId4">
+            <a:extLst>
+              <a:ext uri="{28A0092B-C50C-407E-A947-70E740481C1C}">
+                <a14:useLocalDpi xmlns:a14="http://schemas.microsoft.com/office/drawing/2010/main" val="0"/>
+              </a:ext>
+            </a:extLst>
+          </a:blip>
+          <a:stretch>
+            <a:fillRect/>
+          </a:stretch>
+        </p:blipFill>
+        <p:spPr>
+          <a:xfrm>
+            <a:off x="827583" y="2840543"/>
+            <a:ext cx="3357555" cy="982396"/>
+          </a:xfrm>
+          <a:prstGeom prst="rect">
+            <a:avLst/>
+          </a:prstGeom>
+        </p:spPr>
+      </p:pic>
+      <p:sp>
+        <p:nvSpPr>
+          <p:cNvPr id="11" name="TextBox 10">
+            <a:extLst>
+              <a:ext uri="{FF2B5EF4-FFF2-40B4-BE49-F238E27FC236}">
+                <a16:creationId xmlns:a16="http://schemas.microsoft.com/office/drawing/2014/main" id="{F68FCC96-131B-4952-A000-FC4FBFDEE539}"/>
+              </a:ext>
+            </a:extLst>
+          </p:cNvPr>
+          <p:cNvSpPr txBox="1"/>
+          <p:nvPr/>
+        </p:nvSpPr>
+        <p:spPr>
+          <a:xfrm>
+            <a:off x="827583" y="2702043"/>
+            <a:ext cx="2097031" cy="276999"/>
+          </a:xfrm>
+          <a:prstGeom prst="rect">
+            <a:avLst/>
+          </a:prstGeom>
+          <a:noFill/>
+        </p:spPr>
+        <p:txBody>
+          <a:bodyPr wrap="square" rtlCol="0">
+            <a:spAutoFit/>
+          </a:bodyPr>
+          <a:lstStyle/>
+          <a:p>
+            <a:r>
+              <a:rPr lang="en-US" altLang="ko-KR" sz="1200" dirty="0">
+                <a:latin typeface="KoPub돋움체 Bold" panose="02020603020101020101" pitchFamily="18" charset="-127"/>
+                <a:ea typeface="KoPub돋움체 Bold" panose="02020603020101020101" pitchFamily="18" charset="-127"/>
+              </a:rPr>
+              <a:t>2015</a:t>
+            </a:r>
+            <a:r>
+              <a:rPr lang="ko-KR" altLang="en-US" sz="1200" dirty="0">
+                <a:latin typeface="KoPub돋움체 Bold" panose="02020603020101020101" pitchFamily="18" charset="-127"/>
+                <a:ea typeface="KoPub돋움체 Bold" panose="02020603020101020101" pitchFamily="18" charset="-127"/>
+              </a:rPr>
+              <a:t>년도 </a:t>
+            </a:r>
+            <a:r>
+              <a:rPr lang="en-US" altLang="ko-KR" sz="1200" dirty="0">
+                <a:latin typeface="KoPub돋움체 Bold" panose="02020603020101020101" pitchFamily="18" charset="-127"/>
+                <a:ea typeface="KoPub돋움체 Bold" panose="02020603020101020101" pitchFamily="18" charset="-127"/>
+              </a:rPr>
+              <a:t>2</a:t>
+            </a:r>
+            <a:r>
+              <a:rPr lang="ko-KR" altLang="en-US" sz="1200" dirty="0">
+                <a:latin typeface="KoPub돋움체 Bold" panose="02020603020101020101" pitchFamily="18" charset="-127"/>
+                <a:ea typeface="KoPub돋움체 Bold" panose="02020603020101020101" pitchFamily="18" charset="-127"/>
+              </a:rPr>
+              <a:t>학기</a:t>
+            </a:r>
+          </a:p>
+        </p:txBody>
+      </p:sp>
+    </p:spTree>
+    <p:extLst>
+      <p:ext uri="{BB962C8B-B14F-4D97-AF65-F5344CB8AC3E}">
+        <p14:creationId xmlns:p14="http://schemas.microsoft.com/office/powerpoint/2010/main" val="3243486369"/>
+      </p:ext>
+    </p:extLst>
+  </p:cSld>
+  <p:clrMapOvr>
+    <a:masterClrMapping/>
+  </p:clrMapOvr>
+</p:sld>
+</file>
+
 <file path=ppt/slides/slide2.xml><?xml version="1.0" encoding="utf-8"?>
 <p:sld xmlns:a="http://schemas.openxmlformats.org/drawingml/2006/main" xmlns:r="http://schemas.openxmlformats.org/officeDocument/2006/relationships" xmlns:p="http://schemas.openxmlformats.org/presentationml/2006/main">
   <p:cSld>
@@ -3435,7 +4434,7 @@
           <p:cNvPr id="4" name="TextBox 3">
             <a:extLst>
               <a:ext uri="{FF2B5EF4-FFF2-40B4-BE49-F238E27FC236}">
-                <a16:creationId xmlns:a16="http://schemas.microsoft.com/office/drawing/2014/main" id="{AE2D8C9B-8D25-4937-BDCF-C250B7D4D721}"/>
+                <a16:creationId xmlns:a16="http://schemas.microsoft.com/office/drawing/2014/main" id="{EC1DF64E-03DF-4B77-BF74-18E5E2727586}"/>
               </a:ext>
             </a:extLst>
           </p:cNvPr>
@@ -3444,8 +4443,8 @@
         </p:nvSpPr>
         <p:spPr>
           <a:xfrm>
-            <a:off x="2705832" y="3075057"/>
-            <a:ext cx="6780335" cy="707886"/>
+            <a:off x="2705832" y="3228945"/>
+            <a:ext cx="6780335" cy="400110"/>
           </a:xfrm>
           <a:prstGeom prst="rect">
             <a:avLst/>
@@ -3460,18 +4459,60 @@
           <a:p>
             <a:pPr algn="ctr"/>
             <a:r>
-              <a:rPr lang="en-US" altLang="ko-KR" sz="4000" dirty="0">
-                <a:latin typeface="KoPub돋움체 Bold" panose="02020603020101020101" pitchFamily="18" charset="-127"/>
-                <a:ea typeface="KoPub돋움체 Bold" panose="02020603020101020101" pitchFamily="18" charset="-127"/>
-              </a:rPr>
-              <a:t>1.1 </a:t>
-            </a:r>
-            <a:r>
-              <a:rPr lang="ko-KR" altLang="en-US" sz="4000" dirty="0">
-                <a:latin typeface="KoPub돋움체 Bold" panose="02020603020101020101" pitchFamily="18" charset="-127"/>
-                <a:ea typeface="KoPub돋움체 Bold" panose="02020603020101020101" pitchFamily="18" charset="-127"/>
-              </a:rPr>
-              <a:t>통계와 통계학은 무엇인가</a:t>
+              <a:rPr lang="en-US" altLang="ko-KR" sz="2000" dirty="0">
+                <a:latin typeface="KoPub돋움체 Bold" panose="02020603020101020101" pitchFamily="18" charset="-127"/>
+                <a:ea typeface="KoPub돋움체 Bold" panose="02020603020101020101" pitchFamily="18" charset="-127"/>
+              </a:rPr>
+              <a:t>2015</a:t>
+            </a:r>
+            <a:r>
+              <a:rPr lang="ko-KR" altLang="en-US" sz="2000" dirty="0">
+                <a:latin typeface="KoPub돋움체 Bold" panose="02020603020101020101" pitchFamily="18" charset="-127"/>
+                <a:ea typeface="KoPub돋움체 Bold" panose="02020603020101020101" pitchFamily="18" charset="-127"/>
+              </a:rPr>
+              <a:t>년에는 많이 나왔지만</a:t>
+            </a:r>
+            <a:r>
+              <a:rPr lang="en-US" altLang="ko-KR" sz="2000" dirty="0">
+                <a:latin typeface="KoPub돋움체 Bold" panose="02020603020101020101" pitchFamily="18" charset="-127"/>
+                <a:ea typeface="KoPub돋움체 Bold" panose="02020603020101020101" pitchFamily="18" charset="-127"/>
+              </a:rPr>
+              <a:t>(5) </a:t>
+            </a:r>
+            <a:r>
+              <a:rPr lang="ko-KR" altLang="en-US" sz="2000" dirty="0">
+                <a:latin typeface="KoPub돋움체 Bold" panose="02020603020101020101" pitchFamily="18" charset="-127"/>
+                <a:ea typeface="KoPub돋움체 Bold" panose="02020603020101020101" pitchFamily="18" charset="-127"/>
+              </a:rPr>
+              <a:t>보통 </a:t>
+            </a:r>
+            <a:r>
+              <a:rPr lang="en-US" altLang="ko-KR" sz="2000" dirty="0">
+                <a:latin typeface="KoPub돋움체 Bold" panose="02020603020101020101" pitchFamily="18" charset="-127"/>
+                <a:ea typeface="KoPub돋움체 Bold" panose="02020603020101020101" pitchFamily="18" charset="-127"/>
+              </a:rPr>
+              <a:t>4</a:t>
+            </a:r>
+            <a:r>
+              <a:rPr lang="ko-KR" altLang="en-US" sz="2000" dirty="0">
+                <a:latin typeface="KoPub돋움체 Bold" panose="02020603020101020101" pitchFamily="18" charset="-127"/>
+                <a:ea typeface="KoPub돋움체 Bold" panose="02020603020101020101" pitchFamily="18" charset="-127"/>
+              </a:rPr>
+              <a:t>개에서 </a:t>
+            </a:r>
+            <a:r>
+              <a:rPr lang="en-US" altLang="ko-KR" sz="2000" dirty="0">
+                <a:latin typeface="KoPub돋움체 Bold" panose="02020603020101020101" pitchFamily="18" charset="-127"/>
+                <a:ea typeface="KoPub돋움체 Bold" panose="02020603020101020101" pitchFamily="18" charset="-127"/>
+              </a:rPr>
+              <a:t>3</a:t>
+            </a:r>
+            <a:r>
+              <a:rPr lang="ko-KR" altLang="en-US" sz="2000" dirty="0">
+                <a:latin typeface="KoPub돋움체 Bold" panose="02020603020101020101" pitchFamily="18" charset="-127"/>
+                <a:ea typeface="KoPub돋움체 Bold" panose="02020603020101020101" pitchFamily="18" charset="-127"/>
+              </a:rPr>
+              <a:t>개쯤 나옴 </a:t>
             </a:r>
             <a:endParaRPr lang="en-US" altLang="ko-KR" sz="2000" dirty="0">
               <a:latin typeface="KoPub돋움체 Bold" panose="02020603020101020101" pitchFamily="18" charset="-127"/>
@@ -3483,7 +4524,7 @@
     </p:spTree>
     <p:extLst>
       <p:ext uri="{BB962C8B-B14F-4D97-AF65-F5344CB8AC3E}">
-        <p14:creationId xmlns:p14="http://schemas.microsoft.com/office/powerpoint/2010/main" val="2094958396"/>
+        <p14:creationId xmlns:p14="http://schemas.microsoft.com/office/powerpoint/2010/main" val="3594139663"/>
       </p:ext>
     </p:extLst>
   </p:cSld>
@@ -3512,10 +4553,10 @@
       </p:grpSpPr>
       <p:sp>
         <p:nvSpPr>
-          <p:cNvPr id="18" name="TextBox 17">
-            <a:extLst>
-              <a:ext uri="{FF2B5EF4-FFF2-40B4-BE49-F238E27FC236}">
-                <a16:creationId xmlns:a16="http://schemas.microsoft.com/office/drawing/2014/main" id="{171DF94C-0343-4DB6-A335-59E5EF5ADCBE}"/>
+          <p:cNvPr id="4" name="TextBox 3">
+            <a:extLst>
+              <a:ext uri="{FF2B5EF4-FFF2-40B4-BE49-F238E27FC236}">
+                <a16:creationId xmlns:a16="http://schemas.microsoft.com/office/drawing/2014/main" id="{AE2D8C9B-8D25-4937-BDCF-C250B7D4D721}"/>
               </a:ext>
             </a:extLst>
           </p:cNvPr>
@@ -3524,8 +4565,8 @@
         </p:nvSpPr>
         <p:spPr>
           <a:xfrm>
-            <a:off x="827583" y="612581"/>
-            <a:ext cx="2097031" cy="276999"/>
+            <a:off x="2705832" y="3075057"/>
+            <a:ext cx="6780335" cy="707886"/>
           </a:xfrm>
           <a:prstGeom prst="rect">
             <a:avLst/>
@@ -3538,77 +4579,32 @@
           </a:bodyPr>
           <a:lstStyle/>
           <a:p>
-            <a:r>
-              <a:rPr lang="en-US" altLang="ko-KR" sz="1200" dirty="0">
-                <a:latin typeface="KoPub돋움체 Bold" panose="02020603020101020101" pitchFamily="18" charset="-127"/>
-                <a:ea typeface="KoPub돋움체 Bold" panose="02020603020101020101" pitchFamily="18" charset="-127"/>
-              </a:rPr>
-              <a:t>2019</a:t>
-            </a:r>
-            <a:r>
-              <a:rPr lang="ko-KR" altLang="en-US" sz="1200" dirty="0">
-                <a:latin typeface="KoPub돋움체 Bold" panose="02020603020101020101" pitchFamily="18" charset="-127"/>
-                <a:ea typeface="KoPub돋움체 Bold" panose="02020603020101020101" pitchFamily="18" charset="-127"/>
-              </a:rPr>
-              <a:t>년도 </a:t>
-            </a:r>
-            <a:r>
-              <a:rPr lang="en-US" altLang="ko-KR" sz="1200" dirty="0">
-                <a:latin typeface="KoPub돋움체 Bold" panose="02020603020101020101" pitchFamily="18" charset="-127"/>
-                <a:ea typeface="KoPub돋움체 Bold" panose="02020603020101020101" pitchFamily="18" charset="-127"/>
-              </a:rPr>
-              <a:t>1</a:t>
-            </a:r>
-            <a:r>
-              <a:rPr lang="ko-KR" altLang="en-US" sz="1200" dirty="0">
-                <a:latin typeface="KoPub돋움체 Bold" panose="02020603020101020101" pitchFamily="18" charset="-127"/>
-                <a:ea typeface="KoPub돋움체 Bold" panose="02020603020101020101" pitchFamily="18" charset="-127"/>
-              </a:rPr>
-              <a:t>학기</a:t>
-            </a:r>
-          </a:p>
-        </p:txBody>
-      </p:sp>
-      <p:pic>
-        <p:nvPicPr>
-          <p:cNvPr id="3" name="그림 2">
-            <a:extLst>
-              <a:ext uri="{FF2B5EF4-FFF2-40B4-BE49-F238E27FC236}">
-                <a16:creationId xmlns:a16="http://schemas.microsoft.com/office/drawing/2014/main" id="{7DD8E6AF-EA0B-4EEB-9F93-EA029B1403A4}"/>
-              </a:ext>
-            </a:extLst>
-          </p:cNvPr>
-          <p:cNvPicPr>
-            <a:picLocks noChangeAspect="1"/>
-          </p:cNvPicPr>
-          <p:nvPr/>
-        </p:nvPicPr>
-        <p:blipFill>
-          <a:blip r:embed="rId2">
-            <a:extLst>
-              <a:ext uri="{28A0092B-C50C-407E-A947-70E740481C1C}">
-                <a14:useLocalDpi xmlns:a14="http://schemas.microsoft.com/office/drawing/2010/main" val="0"/>
-              </a:ext>
-            </a:extLst>
-          </a:blip>
-          <a:stretch>
-            <a:fillRect/>
-          </a:stretch>
-        </p:blipFill>
-        <p:spPr>
-          <a:xfrm>
-            <a:off x="827583" y="889580"/>
-            <a:ext cx="2830017" cy="1006580"/>
-          </a:xfrm>
-          <a:prstGeom prst="rect">
-            <a:avLst/>
-          </a:prstGeom>
-        </p:spPr>
-      </p:pic>
+            <a:pPr algn="ctr"/>
+            <a:r>
+              <a:rPr lang="en-US" altLang="ko-KR" sz="4000" dirty="0">
+                <a:latin typeface="KoPub돋움체 Bold" panose="02020603020101020101" pitchFamily="18" charset="-127"/>
+                <a:ea typeface="KoPub돋움체 Bold" panose="02020603020101020101" pitchFamily="18" charset="-127"/>
+              </a:rPr>
+              <a:t>1.1 </a:t>
+            </a:r>
+            <a:r>
+              <a:rPr lang="ko-KR" altLang="en-US" sz="4000" dirty="0">
+                <a:latin typeface="KoPub돋움체 Bold" panose="02020603020101020101" pitchFamily="18" charset="-127"/>
+                <a:ea typeface="KoPub돋움체 Bold" panose="02020603020101020101" pitchFamily="18" charset="-127"/>
+              </a:rPr>
+              <a:t>통계와 통계학은 무엇인가</a:t>
+            </a:r>
+            <a:endParaRPr lang="en-US" altLang="ko-KR" sz="2000" dirty="0">
+              <a:latin typeface="KoPub돋움체 Bold" panose="02020603020101020101" pitchFamily="18" charset="-127"/>
+              <a:ea typeface="KoPub돋움체 Bold" panose="02020603020101020101" pitchFamily="18" charset="-127"/>
+            </a:endParaRPr>
+          </a:p>
+        </p:txBody>
+      </p:sp>
     </p:spTree>
     <p:extLst>
       <p:ext uri="{BB962C8B-B14F-4D97-AF65-F5344CB8AC3E}">
-        <p14:creationId xmlns:p14="http://schemas.microsoft.com/office/powerpoint/2010/main" val="1885365021"/>
+        <p14:creationId xmlns:p14="http://schemas.microsoft.com/office/powerpoint/2010/main" val="2094958396"/>
       </p:ext>
     </p:extLst>
   </p:cSld>
@@ -3682,7 +4678,7 @@
                 <a:latin typeface="KoPub돋움체 Bold" panose="02020603020101020101" pitchFamily="18" charset="-127"/>
                 <a:ea typeface="KoPub돋움체 Bold" panose="02020603020101020101" pitchFamily="18" charset="-127"/>
               </a:rPr>
-              <a:t>1</a:t>
+              <a:t>2</a:t>
             </a:r>
             <a:r>
               <a:rPr lang="ko-KR" altLang="en-US" sz="1200" dirty="0">
@@ -3696,10 +4692,10 @@
       </p:sp>
       <p:pic>
         <p:nvPicPr>
-          <p:cNvPr id="4" name="그림 3">
-            <a:extLst>
-              <a:ext uri="{FF2B5EF4-FFF2-40B4-BE49-F238E27FC236}">
-                <a16:creationId xmlns:a16="http://schemas.microsoft.com/office/drawing/2014/main" id="{BE37438A-3610-4592-9C21-A0A6430B0B82}"/>
+          <p:cNvPr id="3" name="그림 2">
+            <a:extLst>
+              <a:ext uri="{FF2B5EF4-FFF2-40B4-BE49-F238E27FC236}">
+                <a16:creationId xmlns:a16="http://schemas.microsoft.com/office/drawing/2014/main" id="{7DD8E6AF-EA0B-4EEB-9F93-EA029B1403A4}"/>
               </a:ext>
             </a:extLst>
           </p:cNvPr>
@@ -3722,18 +4718,303 @@
         </p:blipFill>
         <p:spPr>
           <a:xfrm>
-            <a:off x="827584" y="889580"/>
-            <a:ext cx="2926514" cy="839574"/>
+            <a:off x="827583" y="889580"/>
+            <a:ext cx="3085590" cy="1097482"/>
           </a:xfrm>
           <a:prstGeom prst="rect">
             <a:avLst/>
           </a:prstGeom>
         </p:spPr>
       </p:pic>
+      <p:sp>
+        <p:nvSpPr>
+          <p:cNvPr id="4" name="TextBox 3">
+            <a:extLst>
+              <a:ext uri="{FF2B5EF4-FFF2-40B4-BE49-F238E27FC236}">
+                <a16:creationId xmlns:a16="http://schemas.microsoft.com/office/drawing/2014/main" id="{63D4CD29-6E4F-4EEB-94E8-81861AFCF56A}"/>
+              </a:ext>
+            </a:extLst>
+          </p:cNvPr>
+          <p:cNvSpPr txBox="1"/>
+          <p:nvPr/>
+        </p:nvSpPr>
+        <p:spPr>
+          <a:xfrm>
+            <a:off x="827583" y="2441381"/>
+            <a:ext cx="2097031" cy="276999"/>
+          </a:xfrm>
+          <a:prstGeom prst="rect">
+            <a:avLst/>
+          </a:prstGeom>
+          <a:noFill/>
+        </p:spPr>
+        <p:txBody>
+          <a:bodyPr wrap="square" rtlCol="0">
+            <a:spAutoFit/>
+          </a:bodyPr>
+          <a:lstStyle/>
+          <a:p>
+            <a:r>
+              <a:rPr lang="en-US" altLang="ko-KR" sz="1200" dirty="0">
+                <a:latin typeface="KoPub돋움체 Bold" panose="02020603020101020101" pitchFamily="18" charset="-127"/>
+                <a:ea typeface="KoPub돋움체 Bold" panose="02020603020101020101" pitchFamily="18" charset="-127"/>
+              </a:rPr>
+              <a:t>2019</a:t>
+            </a:r>
+            <a:r>
+              <a:rPr lang="ko-KR" altLang="en-US" sz="1200" dirty="0">
+                <a:latin typeface="KoPub돋움체 Bold" panose="02020603020101020101" pitchFamily="18" charset="-127"/>
+                <a:ea typeface="KoPub돋움체 Bold" panose="02020603020101020101" pitchFamily="18" charset="-127"/>
+              </a:rPr>
+              <a:t>년도 </a:t>
+            </a:r>
+            <a:r>
+              <a:rPr lang="en-US" altLang="ko-KR" sz="1200" dirty="0">
+                <a:latin typeface="KoPub돋움체 Bold" panose="02020603020101020101" pitchFamily="18" charset="-127"/>
+                <a:ea typeface="KoPub돋움체 Bold" panose="02020603020101020101" pitchFamily="18" charset="-127"/>
+              </a:rPr>
+              <a:t>2</a:t>
+            </a:r>
+            <a:r>
+              <a:rPr lang="ko-KR" altLang="en-US" sz="1200" dirty="0">
+                <a:latin typeface="KoPub돋움체 Bold" panose="02020603020101020101" pitchFamily="18" charset="-127"/>
+                <a:ea typeface="KoPub돋움체 Bold" panose="02020603020101020101" pitchFamily="18" charset="-127"/>
+              </a:rPr>
+              <a:t>학기</a:t>
+            </a:r>
+          </a:p>
+        </p:txBody>
+      </p:sp>
+      <p:pic>
+        <p:nvPicPr>
+          <p:cNvPr id="5" name="그림 4">
+            <a:extLst>
+              <a:ext uri="{FF2B5EF4-FFF2-40B4-BE49-F238E27FC236}">
+                <a16:creationId xmlns:a16="http://schemas.microsoft.com/office/drawing/2014/main" id="{9FC3A95E-EFD9-4EC5-B3F7-D38D17C5A6CD}"/>
+              </a:ext>
+            </a:extLst>
+          </p:cNvPr>
+          <p:cNvPicPr>
+            <a:picLocks noChangeAspect="1"/>
+          </p:cNvPicPr>
+          <p:nvPr/>
+        </p:nvPicPr>
+        <p:blipFill>
+          <a:blip r:embed="rId3">
+            <a:extLst>
+              <a:ext uri="{28A0092B-C50C-407E-A947-70E740481C1C}">
+                <a14:useLocalDpi xmlns:a14="http://schemas.microsoft.com/office/drawing/2010/main" val="0"/>
+              </a:ext>
+            </a:extLst>
+          </a:blip>
+          <a:stretch>
+            <a:fillRect/>
+          </a:stretch>
+        </p:blipFill>
+        <p:spPr>
+          <a:xfrm>
+            <a:off x="827584" y="2718380"/>
+            <a:ext cx="2926514" cy="839574"/>
+          </a:xfrm>
+          <a:prstGeom prst="rect">
+            <a:avLst/>
+          </a:prstGeom>
+        </p:spPr>
+      </p:pic>
+      <p:pic>
+        <p:nvPicPr>
+          <p:cNvPr id="8" name="그림 7">
+            <a:extLst>
+              <a:ext uri="{FF2B5EF4-FFF2-40B4-BE49-F238E27FC236}">
+                <a16:creationId xmlns:a16="http://schemas.microsoft.com/office/drawing/2014/main" id="{971DD948-B6EF-4089-A91E-5D56D1E8BB1B}"/>
+              </a:ext>
+            </a:extLst>
+          </p:cNvPr>
+          <p:cNvPicPr>
+            <a:picLocks noChangeAspect="1"/>
+          </p:cNvPicPr>
+          <p:nvPr/>
+        </p:nvPicPr>
+        <p:blipFill>
+          <a:blip r:embed="rId4">
+            <a:extLst>
+              <a:ext uri="{28A0092B-C50C-407E-A947-70E740481C1C}">
+                <a14:useLocalDpi xmlns:a14="http://schemas.microsoft.com/office/drawing/2010/main" val="0"/>
+              </a:ext>
+            </a:extLst>
+          </a:blip>
+          <a:stretch>
+            <a:fillRect/>
+          </a:stretch>
+        </p:blipFill>
+        <p:spPr>
+          <a:xfrm>
+            <a:off x="827583" y="4387631"/>
+            <a:ext cx="3044171" cy="839574"/>
+          </a:xfrm>
+          <a:prstGeom prst="rect">
+            <a:avLst/>
+          </a:prstGeom>
+        </p:spPr>
+      </p:pic>
+      <p:sp>
+        <p:nvSpPr>
+          <p:cNvPr id="10" name="TextBox 9">
+            <a:extLst>
+              <a:ext uri="{FF2B5EF4-FFF2-40B4-BE49-F238E27FC236}">
+                <a16:creationId xmlns:a16="http://schemas.microsoft.com/office/drawing/2014/main" id="{2B75D0D7-2D62-46EE-9D7B-19BDA33A53C5}"/>
+              </a:ext>
+            </a:extLst>
+          </p:cNvPr>
+          <p:cNvSpPr txBox="1"/>
+          <p:nvPr/>
+        </p:nvSpPr>
+        <p:spPr>
+          <a:xfrm>
+            <a:off x="827582" y="4139621"/>
+            <a:ext cx="2097031" cy="276999"/>
+          </a:xfrm>
+          <a:prstGeom prst="rect">
+            <a:avLst/>
+          </a:prstGeom>
+          <a:noFill/>
+        </p:spPr>
+        <p:txBody>
+          <a:bodyPr wrap="square" rtlCol="0">
+            <a:spAutoFit/>
+          </a:bodyPr>
+          <a:lstStyle/>
+          <a:p>
+            <a:r>
+              <a:rPr lang="en-US" altLang="ko-KR" sz="1200" dirty="0">
+                <a:latin typeface="KoPub돋움체 Bold" panose="02020603020101020101" pitchFamily="18" charset="-127"/>
+                <a:ea typeface="KoPub돋움체 Bold" panose="02020603020101020101" pitchFamily="18" charset="-127"/>
+              </a:rPr>
+              <a:t>2015</a:t>
+            </a:r>
+            <a:r>
+              <a:rPr lang="ko-KR" altLang="en-US" sz="1200" dirty="0">
+                <a:latin typeface="KoPub돋움체 Bold" panose="02020603020101020101" pitchFamily="18" charset="-127"/>
+                <a:ea typeface="KoPub돋움체 Bold" panose="02020603020101020101" pitchFamily="18" charset="-127"/>
+              </a:rPr>
+              <a:t>년도 </a:t>
+            </a:r>
+            <a:r>
+              <a:rPr lang="en-US" altLang="ko-KR" sz="1200" dirty="0">
+                <a:latin typeface="KoPub돋움체 Bold" panose="02020603020101020101" pitchFamily="18" charset="-127"/>
+                <a:ea typeface="KoPub돋움체 Bold" panose="02020603020101020101" pitchFamily="18" charset="-127"/>
+              </a:rPr>
+              <a:t>2</a:t>
+            </a:r>
+            <a:r>
+              <a:rPr lang="ko-KR" altLang="en-US" sz="1200" dirty="0">
+                <a:latin typeface="KoPub돋움체 Bold" panose="02020603020101020101" pitchFamily="18" charset="-127"/>
+                <a:ea typeface="KoPub돋움체 Bold" panose="02020603020101020101" pitchFamily="18" charset="-127"/>
+              </a:rPr>
+              <a:t>학기</a:t>
+            </a:r>
+          </a:p>
+        </p:txBody>
+      </p:sp>
+      <p:pic>
+        <p:nvPicPr>
+          <p:cNvPr id="11" name="그림 10">
+            <a:extLst>
+              <a:ext uri="{FF2B5EF4-FFF2-40B4-BE49-F238E27FC236}">
+                <a16:creationId xmlns:a16="http://schemas.microsoft.com/office/drawing/2014/main" id="{BE311096-ACDE-482F-98A3-A4AB3527C74A}"/>
+              </a:ext>
+            </a:extLst>
+          </p:cNvPr>
+          <p:cNvPicPr>
+            <a:picLocks noChangeAspect="1"/>
+          </p:cNvPicPr>
+          <p:nvPr/>
+        </p:nvPicPr>
+        <p:blipFill>
+          <a:blip r:embed="rId5">
+            <a:extLst>
+              <a:ext uri="{28A0092B-C50C-407E-A947-70E740481C1C}">
+                <a14:useLocalDpi xmlns:a14="http://schemas.microsoft.com/office/drawing/2010/main" val="0"/>
+              </a:ext>
+            </a:extLst>
+          </a:blip>
+          <a:stretch>
+            <a:fillRect/>
+          </a:stretch>
+        </p:blipFill>
+        <p:spPr>
+          <a:xfrm>
+            <a:off x="4475689" y="889581"/>
+            <a:ext cx="3614375" cy="1097482"/>
+          </a:xfrm>
+          <a:prstGeom prst="rect">
+            <a:avLst/>
+          </a:prstGeom>
+        </p:spPr>
+      </p:pic>
+      <p:sp>
+        <p:nvSpPr>
+          <p:cNvPr id="13" name="TextBox 12">
+            <a:extLst>
+              <a:ext uri="{FF2B5EF4-FFF2-40B4-BE49-F238E27FC236}">
+                <a16:creationId xmlns:a16="http://schemas.microsoft.com/office/drawing/2014/main" id="{A9E6BF30-0C03-4FD7-8797-DBFC1C79FDEA}"/>
+              </a:ext>
+            </a:extLst>
+          </p:cNvPr>
+          <p:cNvSpPr txBox="1"/>
+          <p:nvPr/>
+        </p:nvSpPr>
+        <p:spPr>
+          <a:xfrm>
+            <a:off x="4475689" y="612581"/>
+            <a:ext cx="2097031" cy="276999"/>
+          </a:xfrm>
+          <a:prstGeom prst="rect">
+            <a:avLst/>
+          </a:prstGeom>
+          <a:noFill/>
+        </p:spPr>
+        <p:txBody>
+          <a:bodyPr wrap="square" rtlCol="0">
+            <a:spAutoFit/>
+          </a:bodyPr>
+          <a:lstStyle/>
+          <a:p>
+            <a:r>
+              <a:rPr lang="en-US" altLang="ko-KR" sz="1200" dirty="0">
+                <a:latin typeface="KoPub돋움체 Bold" panose="02020603020101020101" pitchFamily="18" charset="-127"/>
+                <a:ea typeface="KoPub돋움체 Bold" panose="02020603020101020101" pitchFamily="18" charset="-127"/>
+              </a:rPr>
+              <a:t>2015</a:t>
+            </a:r>
+            <a:r>
+              <a:rPr lang="ko-KR" altLang="en-US" sz="1200" dirty="0">
+                <a:latin typeface="KoPub돋움체 Bold" panose="02020603020101020101" pitchFamily="18" charset="-127"/>
+                <a:ea typeface="KoPub돋움체 Bold" panose="02020603020101020101" pitchFamily="18" charset="-127"/>
+              </a:rPr>
+              <a:t>년도 </a:t>
+            </a:r>
+            <a:r>
+              <a:rPr lang="en-US" altLang="ko-KR" sz="1200" dirty="0">
+                <a:latin typeface="KoPub돋움체 Bold" panose="02020603020101020101" pitchFamily="18" charset="-127"/>
+                <a:ea typeface="KoPub돋움체 Bold" panose="02020603020101020101" pitchFamily="18" charset="-127"/>
+              </a:rPr>
+              <a:t>2</a:t>
+            </a:r>
+            <a:r>
+              <a:rPr lang="ko-KR" altLang="en-US" sz="1200" dirty="0">
+                <a:latin typeface="KoPub돋움체 Bold" panose="02020603020101020101" pitchFamily="18" charset="-127"/>
+                <a:ea typeface="KoPub돋움체 Bold" panose="02020603020101020101" pitchFamily="18" charset="-127"/>
+              </a:rPr>
+              <a:t>학기</a:t>
+            </a:r>
+          </a:p>
+        </p:txBody>
+      </p:sp>
     </p:spTree>
     <p:extLst>
       <p:ext uri="{BB962C8B-B14F-4D97-AF65-F5344CB8AC3E}">
-        <p14:creationId xmlns:p14="http://schemas.microsoft.com/office/powerpoint/2010/main" val="898272964"/>
+        <p14:creationId xmlns:p14="http://schemas.microsoft.com/office/powerpoint/2010/main" val="1885365021"/>
       </p:ext>
     </p:extLst>
   </p:cSld>
@@ -3887,7 +5168,7 @@
                 <a:latin typeface="KoPub돋움체 Bold" panose="02020603020101020101" pitchFamily="18" charset="-127"/>
                 <a:ea typeface="KoPub돋움체 Bold" panose="02020603020101020101" pitchFamily="18" charset="-127"/>
               </a:rPr>
-              <a:t>1</a:t>
+              <a:t>2</a:t>
             </a:r>
             <a:r>
               <a:rPr lang="ko-KR" altLang="en-US" sz="1200" dirty="0">
@@ -3935,6 +5216,576 @@
           </a:prstGeom>
         </p:spPr>
       </p:pic>
+      <p:pic>
+        <p:nvPicPr>
+          <p:cNvPr id="3" name="그림 2">
+            <a:extLst>
+              <a:ext uri="{FF2B5EF4-FFF2-40B4-BE49-F238E27FC236}">
+                <a16:creationId xmlns:a16="http://schemas.microsoft.com/office/drawing/2014/main" id="{F48FC4F9-D2EF-4BAA-8DFC-768CB670C633}"/>
+              </a:ext>
+            </a:extLst>
+          </p:cNvPr>
+          <p:cNvPicPr>
+            <a:picLocks noChangeAspect="1"/>
+          </p:cNvPicPr>
+          <p:nvPr/>
+        </p:nvPicPr>
+        <p:blipFill>
+          <a:blip r:embed="rId3">
+            <a:extLst>
+              <a:ext uri="{28A0092B-C50C-407E-A947-70E740481C1C}">
+                <a14:useLocalDpi xmlns:a14="http://schemas.microsoft.com/office/drawing/2010/main" val="0"/>
+              </a:ext>
+            </a:extLst>
+          </a:blip>
+          <a:stretch>
+            <a:fillRect/>
+          </a:stretch>
+        </p:blipFill>
+        <p:spPr>
+          <a:xfrm>
+            <a:off x="3176661" y="889580"/>
+            <a:ext cx="3356357" cy="1718805"/>
+          </a:xfrm>
+          <a:prstGeom prst="rect">
+            <a:avLst/>
+          </a:prstGeom>
+        </p:spPr>
+      </p:pic>
+      <p:sp>
+        <p:nvSpPr>
+          <p:cNvPr id="6" name="TextBox 5">
+            <a:extLst>
+              <a:ext uri="{FF2B5EF4-FFF2-40B4-BE49-F238E27FC236}">
+                <a16:creationId xmlns:a16="http://schemas.microsoft.com/office/drawing/2014/main" id="{9C02C7AB-71C0-4353-A49A-86A29A60024A}"/>
+              </a:ext>
+            </a:extLst>
+          </p:cNvPr>
+          <p:cNvSpPr txBox="1"/>
+          <p:nvPr/>
+        </p:nvSpPr>
+        <p:spPr>
+          <a:xfrm>
+            <a:off x="3240617" y="612581"/>
+            <a:ext cx="2097031" cy="276999"/>
+          </a:xfrm>
+          <a:prstGeom prst="rect">
+            <a:avLst/>
+          </a:prstGeom>
+          <a:noFill/>
+        </p:spPr>
+        <p:txBody>
+          <a:bodyPr wrap="square" rtlCol="0">
+            <a:spAutoFit/>
+          </a:bodyPr>
+          <a:lstStyle/>
+          <a:p>
+            <a:r>
+              <a:rPr lang="en-US" altLang="ko-KR" sz="1200" dirty="0">
+                <a:latin typeface="KoPub돋움체 Bold" panose="02020603020101020101" pitchFamily="18" charset="-127"/>
+                <a:ea typeface="KoPub돋움체 Bold" panose="02020603020101020101" pitchFamily="18" charset="-127"/>
+              </a:rPr>
+              <a:t>2018</a:t>
+            </a:r>
+            <a:r>
+              <a:rPr lang="ko-KR" altLang="en-US" sz="1200" dirty="0">
+                <a:latin typeface="KoPub돋움체 Bold" panose="02020603020101020101" pitchFamily="18" charset="-127"/>
+                <a:ea typeface="KoPub돋움체 Bold" panose="02020603020101020101" pitchFamily="18" charset="-127"/>
+              </a:rPr>
+              <a:t>년도 </a:t>
+            </a:r>
+            <a:r>
+              <a:rPr lang="en-US" altLang="ko-KR" sz="1200" dirty="0">
+                <a:latin typeface="KoPub돋움체 Bold" panose="02020603020101020101" pitchFamily="18" charset="-127"/>
+                <a:ea typeface="KoPub돋움체 Bold" panose="02020603020101020101" pitchFamily="18" charset="-127"/>
+              </a:rPr>
+              <a:t>2</a:t>
+            </a:r>
+            <a:r>
+              <a:rPr lang="ko-KR" altLang="en-US" sz="1200" dirty="0">
+                <a:latin typeface="KoPub돋움체 Bold" panose="02020603020101020101" pitchFamily="18" charset="-127"/>
+                <a:ea typeface="KoPub돋움체 Bold" panose="02020603020101020101" pitchFamily="18" charset="-127"/>
+              </a:rPr>
+              <a:t>학기</a:t>
+            </a:r>
+          </a:p>
+        </p:txBody>
+      </p:sp>
+      <p:pic>
+        <p:nvPicPr>
+          <p:cNvPr id="7" name="그림 6">
+            <a:extLst>
+              <a:ext uri="{FF2B5EF4-FFF2-40B4-BE49-F238E27FC236}">
+                <a16:creationId xmlns:a16="http://schemas.microsoft.com/office/drawing/2014/main" id="{3CB03538-5697-4AD9-B9AD-8A1518914490}"/>
+              </a:ext>
+            </a:extLst>
+          </p:cNvPr>
+          <p:cNvPicPr>
+            <a:picLocks noChangeAspect="1"/>
+          </p:cNvPicPr>
+          <p:nvPr/>
+        </p:nvPicPr>
+        <p:blipFill>
+          <a:blip r:embed="rId4">
+            <a:extLst>
+              <a:ext uri="{28A0092B-C50C-407E-A947-70E740481C1C}">
+                <a14:useLocalDpi xmlns:a14="http://schemas.microsoft.com/office/drawing/2010/main" val="0"/>
+              </a:ext>
+            </a:extLst>
+          </a:blip>
+          <a:stretch>
+            <a:fillRect/>
+          </a:stretch>
+        </p:blipFill>
+        <p:spPr>
+          <a:xfrm>
+            <a:off x="827583" y="3055234"/>
+            <a:ext cx="2591495" cy="880605"/>
+          </a:xfrm>
+          <a:prstGeom prst="rect">
+            <a:avLst/>
+          </a:prstGeom>
+        </p:spPr>
+      </p:pic>
+      <p:sp>
+        <p:nvSpPr>
+          <p:cNvPr id="9" name="TextBox 8">
+            <a:extLst>
+              <a:ext uri="{FF2B5EF4-FFF2-40B4-BE49-F238E27FC236}">
+                <a16:creationId xmlns:a16="http://schemas.microsoft.com/office/drawing/2014/main" id="{A2BDBFC3-B043-4236-9703-77922C12E57A}"/>
+              </a:ext>
+            </a:extLst>
+          </p:cNvPr>
+          <p:cNvSpPr txBox="1"/>
+          <p:nvPr/>
+        </p:nvSpPr>
+        <p:spPr>
+          <a:xfrm>
+            <a:off x="827583" y="2778235"/>
+            <a:ext cx="2097031" cy="276999"/>
+          </a:xfrm>
+          <a:prstGeom prst="rect">
+            <a:avLst/>
+          </a:prstGeom>
+          <a:noFill/>
+        </p:spPr>
+        <p:txBody>
+          <a:bodyPr wrap="square" rtlCol="0">
+            <a:spAutoFit/>
+          </a:bodyPr>
+          <a:lstStyle/>
+          <a:p>
+            <a:r>
+              <a:rPr lang="en-US" altLang="ko-KR" sz="1200" dirty="0">
+                <a:latin typeface="KoPub돋움체 Bold" panose="02020603020101020101" pitchFamily="18" charset="-127"/>
+                <a:ea typeface="KoPub돋움체 Bold" panose="02020603020101020101" pitchFamily="18" charset="-127"/>
+              </a:rPr>
+              <a:t>2017</a:t>
+            </a:r>
+            <a:r>
+              <a:rPr lang="ko-KR" altLang="en-US" sz="1200" dirty="0">
+                <a:latin typeface="KoPub돋움체 Bold" panose="02020603020101020101" pitchFamily="18" charset="-127"/>
+                <a:ea typeface="KoPub돋움체 Bold" panose="02020603020101020101" pitchFamily="18" charset="-127"/>
+              </a:rPr>
+              <a:t>년도 </a:t>
+            </a:r>
+            <a:r>
+              <a:rPr lang="en-US" altLang="ko-KR" sz="1200" dirty="0">
+                <a:latin typeface="KoPub돋움체 Bold" panose="02020603020101020101" pitchFamily="18" charset="-127"/>
+                <a:ea typeface="KoPub돋움체 Bold" panose="02020603020101020101" pitchFamily="18" charset="-127"/>
+              </a:rPr>
+              <a:t>2</a:t>
+            </a:r>
+            <a:r>
+              <a:rPr lang="ko-KR" altLang="en-US" sz="1200" dirty="0">
+                <a:latin typeface="KoPub돋움체 Bold" panose="02020603020101020101" pitchFamily="18" charset="-127"/>
+                <a:ea typeface="KoPub돋움체 Bold" panose="02020603020101020101" pitchFamily="18" charset="-127"/>
+              </a:rPr>
+              <a:t>학기</a:t>
+            </a:r>
+          </a:p>
+        </p:txBody>
+      </p:sp>
+      <p:pic>
+        <p:nvPicPr>
+          <p:cNvPr id="10" name="그림 9">
+            <a:extLst>
+              <a:ext uri="{FF2B5EF4-FFF2-40B4-BE49-F238E27FC236}">
+                <a16:creationId xmlns:a16="http://schemas.microsoft.com/office/drawing/2014/main" id="{24CD6C5C-B4E0-47C4-82ED-5C1DFE5AB72E}"/>
+              </a:ext>
+            </a:extLst>
+          </p:cNvPr>
+          <p:cNvPicPr>
+            <a:picLocks noChangeAspect="1"/>
+          </p:cNvPicPr>
+          <p:nvPr/>
+        </p:nvPicPr>
+        <p:blipFill>
+          <a:blip r:embed="rId5">
+            <a:extLst>
+              <a:ext uri="{28A0092B-C50C-407E-A947-70E740481C1C}">
+                <a14:useLocalDpi xmlns:a14="http://schemas.microsoft.com/office/drawing/2010/main" val="0"/>
+              </a:ext>
+            </a:extLst>
+          </a:blip>
+          <a:stretch>
+            <a:fillRect/>
+          </a:stretch>
+        </p:blipFill>
+        <p:spPr>
+          <a:xfrm>
+            <a:off x="6785066" y="889580"/>
+            <a:ext cx="2967191" cy="1583989"/>
+          </a:xfrm>
+          <a:prstGeom prst="rect">
+            <a:avLst/>
+          </a:prstGeom>
+        </p:spPr>
+      </p:pic>
+      <p:sp>
+        <p:nvSpPr>
+          <p:cNvPr id="12" name="TextBox 11">
+            <a:extLst>
+              <a:ext uri="{FF2B5EF4-FFF2-40B4-BE49-F238E27FC236}">
+                <a16:creationId xmlns:a16="http://schemas.microsoft.com/office/drawing/2014/main" id="{A3CA619D-AD25-4B0F-8DA4-05E3C8123148}"/>
+              </a:ext>
+            </a:extLst>
+          </p:cNvPr>
+          <p:cNvSpPr txBox="1"/>
+          <p:nvPr/>
+        </p:nvSpPr>
+        <p:spPr>
+          <a:xfrm>
+            <a:off x="6785065" y="612581"/>
+            <a:ext cx="2097031" cy="276999"/>
+          </a:xfrm>
+          <a:prstGeom prst="rect">
+            <a:avLst/>
+          </a:prstGeom>
+          <a:noFill/>
+        </p:spPr>
+        <p:txBody>
+          <a:bodyPr wrap="square" rtlCol="0">
+            <a:spAutoFit/>
+          </a:bodyPr>
+          <a:lstStyle/>
+          <a:p>
+            <a:r>
+              <a:rPr lang="en-US" altLang="ko-KR" sz="1200" dirty="0">
+                <a:latin typeface="KoPub돋움체 Bold" panose="02020603020101020101" pitchFamily="18" charset="-127"/>
+                <a:ea typeface="KoPub돋움체 Bold" panose="02020603020101020101" pitchFamily="18" charset="-127"/>
+              </a:rPr>
+              <a:t>2017</a:t>
+            </a:r>
+            <a:r>
+              <a:rPr lang="ko-KR" altLang="en-US" sz="1200" dirty="0">
+                <a:latin typeface="KoPub돋움체 Bold" panose="02020603020101020101" pitchFamily="18" charset="-127"/>
+                <a:ea typeface="KoPub돋움체 Bold" panose="02020603020101020101" pitchFamily="18" charset="-127"/>
+              </a:rPr>
+              <a:t>년도 </a:t>
+            </a:r>
+            <a:r>
+              <a:rPr lang="en-US" altLang="ko-KR" sz="1200" dirty="0">
+                <a:latin typeface="KoPub돋움체 Bold" panose="02020603020101020101" pitchFamily="18" charset="-127"/>
+                <a:ea typeface="KoPub돋움체 Bold" panose="02020603020101020101" pitchFamily="18" charset="-127"/>
+              </a:rPr>
+              <a:t>2</a:t>
+            </a:r>
+            <a:r>
+              <a:rPr lang="ko-KR" altLang="en-US" sz="1200" dirty="0">
+                <a:latin typeface="KoPub돋움체 Bold" panose="02020603020101020101" pitchFamily="18" charset="-127"/>
+                <a:ea typeface="KoPub돋움체 Bold" panose="02020603020101020101" pitchFamily="18" charset="-127"/>
+              </a:rPr>
+              <a:t>학기</a:t>
+            </a:r>
+          </a:p>
+        </p:txBody>
+      </p:sp>
+      <p:pic>
+        <p:nvPicPr>
+          <p:cNvPr id="13" name="그림 12">
+            <a:extLst>
+              <a:ext uri="{FF2B5EF4-FFF2-40B4-BE49-F238E27FC236}">
+                <a16:creationId xmlns:a16="http://schemas.microsoft.com/office/drawing/2014/main" id="{0845BB70-D867-43E9-A484-508D87B6245F}"/>
+              </a:ext>
+            </a:extLst>
+          </p:cNvPr>
+          <p:cNvPicPr>
+            <a:picLocks noChangeAspect="1"/>
+          </p:cNvPicPr>
+          <p:nvPr/>
+        </p:nvPicPr>
+        <p:blipFill>
+          <a:blip r:embed="rId6">
+            <a:extLst>
+              <a:ext uri="{28A0092B-C50C-407E-A947-70E740481C1C}">
+                <a14:useLocalDpi xmlns:a14="http://schemas.microsoft.com/office/drawing/2010/main" val="0"/>
+              </a:ext>
+            </a:extLst>
+          </a:blip>
+          <a:stretch>
+            <a:fillRect/>
+          </a:stretch>
+        </p:blipFill>
+        <p:spPr>
+          <a:xfrm>
+            <a:off x="3419079" y="3055234"/>
+            <a:ext cx="2097030" cy="994281"/>
+          </a:xfrm>
+          <a:prstGeom prst="rect">
+            <a:avLst/>
+          </a:prstGeom>
+        </p:spPr>
+      </p:pic>
+      <p:sp>
+        <p:nvSpPr>
+          <p:cNvPr id="15" name="TextBox 14">
+            <a:extLst>
+              <a:ext uri="{FF2B5EF4-FFF2-40B4-BE49-F238E27FC236}">
+                <a16:creationId xmlns:a16="http://schemas.microsoft.com/office/drawing/2014/main" id="{5F74C448-6EE2-4260-B171-DA651E2B5629}"/>
+              </a:ext>
+            </a:extLst>
+          </p:cNvPr>
+          <p:cNvSpPr txBox="1"/>
+          <p:nvPr/>
+        </p:nvSpPr>
+        <p:spPr>
+          <a:xfrm>
+            <a:off x="3419078" y="2794446"/>
+            <a:ext cx="2097031" cy="276999"/>
+          </a:xfrm>
+          <a:prstGeom prst="rect">
+            <a:avLst/>
+          </a:prstGeom>
+          <a:noFill/>
+        </p:spPr>
+        <p:txBody>
+          <a:bodyPr wrap="square" rtlCol="0">
+            <a:spAutoFit/>
+          </a:bodyPr>
+          <a:lstStyle/>
+          <a:p>
+            <a:r>
+              <a:rPr lang="en-US" altLang="ko-KR" sz="1200" dirty="0">
+                <a:latin typeface="KoPub돋움체 Bold" panose="02020603020101020101" pitchFamily="18" charset="-127"/>
+                <a:ea typeface="KoPub돋움체 Bold" panose="02020603020101020101" pitchFamily="18" charset="-127"/>
+              </a:rPr>
+              <a:t>2016</a:t>
+            </a:r>
+            <a:r>
+              <a:rPr lang="ko-KR" altLang="en-US" sz="1200" dirty="0">
+                <a:latin typeface="KoPub돋움체 Bold" panose="02020603020101020101" pitchFamily="18" charset="-127"/>
+                <a:ea typeface="KoPub돋움체 Bold" panose="02020603020101020101" pitchFamily="18" charset="-127"/>
+              </a:rPr>
+              <a:t>년도 </a:t>
+            </a:r>
+            <a:r>
+              <a:rPr lang="en-US" altLang="ko-KR" sz="1200" dirty="0">
+                <a:latin typeface="KoPub돋움체 Bold" panose="02020603020101020101" pitchFamily="18" charset="-127"/>
+                <a:ea typeface="KoPub돋움체 Bold" panose="02020603020101020101" pitchFamily="18" charset="-127"/>
+              </a:rPr>
+              <a:t>2</a:t>
+            </a:r>
+            <a:r>
+              <a:rPr lang="ko-KR" altLang="en-US" sz="1200" dirty="0">
+                <a:latin typeface="KoPub돋움체 Bold" panose="02020603020101020101" pitchFamily="18" charset="-127"/>
+                <a:ea typeface="KoPub돋움체 Bold" panose="02020603020101020101" pitchFamily="18" charset="-127"/>
+              </a:rPr>
+              <a:t>학기</a:t>
+            </a:r>
+          </a:p>
+        </p:txBody>
+      </p:sp>
+      <p:pic>
+        <p:nvPicPr>
+          <p:cNvPr id="16" name="그림 15">
+            <a:extLst>
+              <a:ext uri="{FF2B5EF4-FFF2-40B4-BE49-F238E27FC236}">
+                <a16:creationId xmlns:a16="http://schemas.microsoft.com/office/drawing/2014/main" id="{97713A6E-5345-4ED0-8EC7-3ACC36D725A4}"/>
+              </a:ext>
+            </a:extLst>
+          </p:cNvPr>
+          <p:cNvPicPr>
+            <a:picLocks noChangeAspect="1"/>
+          </p:cNvPicPr>
+          <p:nvPr/>
+        </p:nvPicPr>
+        <p:blipFill>
+          <a:blip r:embed="rId7">
+            <a:extLst>
+              <a:ext uri="{28A0092B-C50C-407E-A947-70E740481C1C}">
+                <a14:useLocalDpi xmlns:a14="http://schemas.microsoft.com/office/drawing/2010/main" val="0"/>
+              </a:ext>
+            </a:extLst>
+          </a:blip>
+          <a:stretch>
+            <a:fillRect/>
+          </a:stretch>
+        </p:blipFill>
+        <p:spPr>
+          <a:xfrm>
+            <a:off x="6785066" y="2984800"/>
+            <a:ext cx="2967190" cy="1583989"/>
+          </a:xfrm>
+          <a:prstGeom prst="rect">
+            <a:avLst/>
+          </a:prstGeom>
+        </p:spPr>
+      </p:pic>
+      <p:sp>
+        <p:nvSpPr>
+          <p:cNvPr id="19" name="TextBox 18">
+            <a:extLst>
+              <a:ext uri="{FF2B5EF4-FFF2-40B4-BE49-F238E27FC236}">
+                <a16:creationId xmlns:a16="http://schemas.microsoft.com/office/drawing/2014/main" id="{C7862479-C15A-4626-A1C4-A14BABC90CF0}"/>
+              </a:ext>
+            </a:extLst>
+          </p:cNvPr>
+          <p:cNvSpPr txBox="1"/>
+          <p:nvPr/>
+        </p:nvSpPr>
+        <p:spPr>
+          <a:xfrm>
+            <a:off x="6785064" y="2707801"/>
+            <a:ext cx="2097031" cy="276999"/>
+          </a:xfrm>
+          <a:prstGeom prst="rect">
+            <a:avLst/>
+          </a:prstGeom>
+          <a:noFill/>
+        </p:spPr>
+        <p:txBody>
+          <a:bodyPr wrap="square" rtlCol="0">
+            <a:spAutoFit/>
+          </a:bodyPr>
+          <a:lstStyle/>
+          <a:p>
+            <a:r>
+              <a:rPr lang="en-US" altLang="ko-KR" sz="1200" dirty="0">
+                <a:latin typeface="KoPub돋움체 Bold" panose="02020603020101020101" pitchFamily="18" charset="-127"/>
+                <a:ea typeface="KoPub돋움체 Bold" panose="02020603020101020101" pitchFamily="18" charset="-127"/>
+              </a:rPr>
+              <a:t>2015</a:t>
+            </a:r>
+            <a:r>
+              <a:rPr lang="ko-KR" altLang="en-US" sz="1200" dirty="0">
+                <a:latin typeface="KoPub돋움체 Bold" panose="02020603020101020101" pitchFamily="18" charset="-127"/>
+                <a:ea typeface="KoPub돋움체 Bold" panose="02020603020101020101" pitchFamily="18" charset="-127"/>
+              </a:rPr>
+              <a:t>년도 </a:t>
+            </a:r>
+            <a:r>
+              <a:rPr lang="en-US" altLang="ko-KR" sz="1200" dirty="0">
+                <a:latin typeface="KoPub돋움체 Bold" panose="02020603020101020101" pitchFamily="18" charset="-127"/>
+                <a:ea typeface="KoPub돋움체 Bold" panose="02020603020101020101" pitchFamily="18" charset="-127"/>
+              </a:rPr>
+              <a:t>2</a:t>
+            </a:r>
+            <a:r>
+              <a:rPr lang="ko-KR" altLang="en-US" sz="1200" dirty="0">
+                <a:latin typeface="KoPub돋움체 Bold" panose="02020603020101020101" pitchFamily="18" charset="-127"/>
+                <a:ea typeface="KoPub돋움체 Bold" panose="02020603020101020101" pitchFamily="18" charset="-127"/>
+              </a:rPr>
+              <a:t>학기</a:t>
+            </a:r>
+          </a:p>
+        </p:txBody>
+      </p:sp>
+      <p:pic>
+        <p:nvPicPr>
+          <p:cNvPr id="20" name="그림 19">
+            <a:extLst>
+              <a:ext uri="{FF2B5EF4-FFF2-40B4-BE49-F238E27FC236}">
+                <a16:creationId xmlns:a16="http://schemas.microsoft.com/office/drawing/2014/main" id="{F3463D74-8F35-40DE-9DD8-6D2C5D7588A1}"/>
+              </a:ext>
+            </a:extLst>
+          </p:cNvPr>
+          <p:cNvPicPr>
+            <a:picLocks noChangeAspect="1"/>
+          </p:cNvPicPr>
+          <p:nvPr/>
+        </p:nvPicPr>
+        <p:blipFill>
+          <a:blip r:embed="rId8">
+            <a:extLst>
+              <a:ext uri="{28A0092B-C50C-407E-A947-70E740481C1C}">
+                <a14:useLocalDpi xmlns:a14="http://schemas.microsoft.com/office/drawing/2010/main" val="0"/>
+              </a:ext>
+            </a:extLst>
+          </a:blip>
+          <a:stretch>
+            <a:fillRect/>
+          </a:stretch>
+        </p:blipFill>
+        <p:spPr>
+          <a:xfrm>
+            <a:off x="827583" y="4713445"/>
+            <a:ext cx="2984186" cy="1879758"/>
+          </a:xfrm>
+          <a:prstGeom prst="rect">
+            <a:avLst/>
+          </a:prstGeom>
+        </p:spPr>
+      </p:pic>
+      <p:sp>
+        <p:nvSpPr>
+          <p:cNvPr id="21" name="TextBox 20">
+            <a:extLst>
+              <a:ext uri="{FF2B5EF4-FFF2-40B4-BE49-F238E27FC236}">
+                <a16:creationId xmlns:a16="http://schemas.microsoft.com/office/drawing/2014/main" id="{89059869-1ABC-43C8-85E2-3EB679538184}"/>
+              </a:ext>
+            </a:extLst>
+          </p:cNvPr>
+          <p:cNvSpPr txBox="1"/>
+          <p:nvPr/>
+        </p:nvSpPr>
+        <p:spPr>
+          <a:xfrm>
+            <a:off x="827583" y="4436446"/>
+            <a:ext cx="2097031" cy="276999"/>
+          </a:xfrm>
+          <a:prstGeom prst="rect">
+            <a:avLst/>
+          </a:prstGeom>
+          <a:noFill/>
+        </p:spPr>
+        <p:txBody>
+          <a:bodyPr wrap="square" rtlCol="0">
+            <a:spAutoFit/>
+          </a:bodyPr>
+          <a:lstStyle/>
+          <a:p>
+            <a:r>
+              <a:rPr lang="en-US" altLang="ko-KR" sz="1200" dirty="0">
+                <a:latin typeface="KoPub돋움체 Bold" panose="02020603020101020101" pitchFamily="18" charset="-127"/>
+                <a:ea typeface="KoPub돋움체 Bold" panose="02020603020101020101" pitchFamily="18" charset="-127"/>
+              </a:rPr>
+              <a:t>2014</a:t>
+            </a:r>
+            <a:r>
+              <a:rPr lang="ko-KR" altLang="en-US" sz="1200" dirty="0">
+                <a:latin typeface="KoPub돋움체 Bold" panose="02020603020101020101" pitchFamily="18" charset="-127"/>
+                <a:ea typeface="KoPub돋움체 Bold" panose="02020603020101020101" pitchFamily="18" charset="-127"/>
+              </a:rPr>
+              <a:t>년도 </a:t>
+            </a:r>
+            <a:r>
+              <a:rPr lang="en-US" altLang="ko-KR" sz="1200" dirty="0">
+                <a:latin typeface="KoPub돋움체 Bold" panose="02020603020101020101" pitchFamily="18" charset="-127"/>
+                <a:ea typeface="KoPub돋움체 Bold" panose="02020603020101020101" pitchFamily="18" charset="-127"/>
+              </a:rPr>
+              <a:t>2</a:t>
+            </a:r>
+            <a:r>
+              <a:rPr lang="ko-KR" altLang="en-US" sz="1200" dirty="0">
+                <a:latin typeface="KoPub돋움체 Bold" panose="02020603020101020101" pitchFamily="18" charset="-127"/>
+                <a:ea typeface="KoPub돋움체 Bold" panose="02020603020101020101" pitchFamily="18" charset="-127"/>
+              </a:rPr>
+              <a:t>학기</a:t>
+            </a:r>
+          </a:p>
+        </p:txBody>
+      </p:sp>
     </p:spTree>
     <p:extLst>
       <p:ext uri="{BB962C8B-B14F-4D97-AF65-F5344CB8AC3E}">
@@ -3995,25 +5846,18 @@
           <a:p>
             <a:pPr algn="ctr"/>
             <a:r>
-              <a:rPr lang="en-US" altLang="ko-KR" sz="4000">
-                <a:latin typeface="KoPub돋움체 Bold" panose="02020603020101020101" pitchFamily="18" charset="-127"/>
-                <a:ea typeface="KoPub돋움체 Bold" panose="02020603020101020101" pitchFamily="18" charset="-127"/>
-              </a:rPr>
-              <a:t>1.4 </a:t>
+              <a:rPr lang="en-US" altLang="ko-KR" sz="4000" dirty="0">
+                <a:latin typeface="KoPub돋움체 Bold" panose="02020603020101020101" pitchFamily="18" charset="-127"/>
+                <a:ea typeface="KoPub돋움체 Bold" panose="02020603020101020101" pitchFamily="18" charset="-127"/>
+              </a:rPr>
+              <a:t>1.3 </a:t>
             </a:r>
             <a:r>
               <a:rPr lang="ko-KR" altLang="en-US" sz="4000" dirty="0">
                 <a:latin typeface="KoPub돋움체 Bold" panose="02020603020101020101" pitchFamily="18" charset="-127"/>
                 <a:ea typeface="KoPub돋움체 Bold" panose="02020603020101020101" pitchFamily="18" charset="-127"/>
               </a:rPr>
-              <a:t>우리나라의 미래는 </a:t>
-            </a:r>
-            <a:r>
-              <a:rPr lang="ko-KR" altLang="en-US" sz="4000" dirty="0" err="1">
-                <a:latin typeface="KoPub돋움체 Bold" panose="02020603020101020101" pitchFamily="18" charset="-127"/>
-                <a:ea typeface="KoPub돋움체 Bold" panose="02020603020101020101" pitchFamily="18" charset="-127"/>
-              </a:rPr>
-              <a:t>어떠한가</a:t>
+              <a:t>나는 얼마나 더 살 수 있는가</a:t>
             </a:r>
             <a:endParaRPr lang="en-US" altLang="ko-KR" sz="2000" dirty="0">
               <a:latin typeface="KoPub돋움체 Bold" panose="02020603020101020101" pitchFamily="18" charset="-127"/>
@@ -4025,7 +5869,7 @@
     </p:spTree>
     <p:extLst>
       <p:ext uri="{BB962C8B-B14F-4D97-AF65-F5344CB8AC3E}">
-        <p14:creationId xmlns:p14="http://schemas.microsoft.com/office/powerpoint/2010/main" val="22566427"/>
+        <p14:creationId xmlns:p14="http://schemas.microsoft.com/office/powerpoint/2010/main" val="3986754531"/>
       </p:ext>
     </p:extLst>
   </p:cSld>
@@ -4052,12 +5896,71 @@
           <a:chExt cx="0" cy="0"/>
         </a:xfrm>
       </p:grpSpPr>
+      <p:sp>
+        <p:nvSpPr>
+          <p:cNvPr id="18" name="TextBox 17">
+            <a:extLst>
+              <a:ext uri="{FF2B5EF4-FFF2-40B4-BE49-F238E27FC236}">
+                <a16:creationId xmlns:a16="http://schemas.microsoft.com/office/drawing/2014/main" id="{171DF94C-0343-4DB6-A335-59E5EF5ADCBE}"/>
+              </a:ext>
+            </a:extLst>
+          </p:cNvPr>
+          <p:cNvSpPr txBox="1"/>
+          <p:nvPr/>
+        </p:nvSpPr>
+        <p:spPr>
+          <a:xfrm>
+            <a:off x="827583" y="612581"/>
+            <a:ext cx="2097031" cy="276999"/>
+          </a:xfrm>
+          <a:prstGeom prst="rect">
+            <a:avLst/>
+          </a:prstGeom>
+          <a:noFill/>
+        </p:spPr>
+        <p:txBody>
+          <a:bodyPr wrap="square" rtlCol="0">
+            <a:spAutoFit/>
+          </a:bodyPr>
+          <a:lstStyle/>
+          <a:p>
+            <a:r>
+              <a:rPr lang="en-US" altLang="ko-KR" sz="1200" dirty="0">
+                <a:latin typeface="KoPub돋움체 Bold" panose="02020603020101020101" pitchFamily="18" charset="-127"/>
+                <a:ea typeface="KoPub돋움체 Bold" panose="02020603020101020101" pitchFamily="18" charset="-127"/>
+              </a:rPr>
+              <a:t>2018</a:t>
+            </a:r>
+            <a:r>
+              <a:rPr lang="ko-KR" altLang="en-US" sz="1200" dirty="0">
+                <a:latin typeface="KoPub돋움체 Bold" panose="02020603020101020101" pitchFamily="18" charset="-127"/>
+                <a:ea typeface="KoPub돋움체 Bold" panose="02020603020101020101" pitchFamily="18" charset="-127"/>
+              </a:rPr>
+              <a:t>년도 </a:t>
+            </a:r>
+            <a:r>
+              <a:rPr lang="en-US" altLang="ko-KR" sz="1200" dirty="0">
+                <a:latin typeface="KoPub돋움체 Bold" panose="02020603020101020101" pitchFamily="18" charset="-127"/>
+                <a:ea typeface="KoPub돋움체 Bold" panose="02020603020101020101" pitchFamily="18" charset="-127"/>
+              </a:rPr>
+              <a:t>2</a:t>
+            </a:r>
+            <a:r>
+              <a:rPr lang="ko-KR" altLang="en-US" sz="1200" dirty="0">
+                <a:latin typeface="KoPub돋움체 Bold" panose="02020603020101020101" pitchFamily="18" charset="-127"/>
+                <a:ea typeface="KoPub돋움체 Bold" panose="02020603020101020101" pitchFamily="18" charset="-127"/>
+              </a:rPr>
+              <a:t>학기</a:t>
+            </a:r>
+          </a:p>
+        </p:txBody>
+      </p:sp>
       <p:pic>
         <p:nvPicPr>
           <p:cNvPr id="3" name="그림 2">
             <a:extLst>
               <a:ext uri="{FF2B5EF4-FFF2-40B4-BE49-F238E27FC236}">
-                <a16:creationId xmlns:a16="http://schemas.microsoft.com/office/drawing/2014/main" id="{9D5A32B2-3840-4A41-9299-55CBFA094AFA}"/>
+                <a16:creationId xmlns:a16="http://schemas.microsoft.com/office/drawing/2014/main" id="{6C0A11F2-A6AA-4BC6-AC8F-FC359D06D690}"/>
               </a:ext>
             </a:extLst>
           </p:cNvPr>
@@ -4080,20 +5983,56 @@
         </p:blipFill>
         <p:spPr>
           <a:xfrm>
-            <a:off x="827583" y="889580"/>
-            <a:ext cx="2778041" cy="2134976"/>
+            <a:off x="827582" y="889580"/>
+            <a:ext cx="3222413" cy="991974"/>
           </a:xfrm>
           <a:prstGeom prst="rect">
             <a:avLst/>
           </a:prstGeom>
         </p:spPr>
       </p:pic>
-      <p:sp>
-        <p:nvSpPr>
-          <p:cNvPr id="18" name="TextBox 17">
-            <a:extLst>
-              <a:ext uri="{FF2B5EF4-FFF2-40B4-BE49-F238E27FC236}">
-                <a16:creationId xmlns:a16="http://schemas.microsoft.com/office/drawing/2014/main" id="{171DF94C-0343-4DB6-A335-59E5EF5ADCBE}"/>
+      <p:pic>
+        <p:nvPicPr>
+          <p:cNvPr id="6" name="그림 5">
+            <a:extLst>
+              <a:ext uri="{FF2B5EF4-FFF2-40B4-BE49-F238E27FC236}">
+                <a16:creationId xmlns:a16="http://schemas.microsoft.com/office/drawing/2014/main" id="{7FCAF26F-DF5E-4DF1-8BB4-18A8B73F849D}"/>
+              </a:ext>
+            </a:extLst>
+          </p:cNvPr>
+          <p:cNvPicPr>
+            <a:picLocks noChangeAspect="1"/>
+          </p:cNvPicPr>
+          <p:nvPr/>
+        </p:nvPicPr>
+        <p:blipFill>
+          <a:blip r:embed="rId3">
+            <a:extLst>
+              <a:ext uri="{28A0092B-C50C-407E-A947-70E740481C1C}">
+                <a14:useLocalDpi xmlns:a14="http://schemas.microsoft.com/office/drawing/2010/main" val="0"/>
+              </a:ext>
+            </a:extLst>
+          </a:blip>
+          <a:stretch>
+            <a:fillRect/>
+          </a:stretch>
+        </p:blipFill>
+        <p:spPr>
+          <a:xfrm>
+            <a:off x="4656636" y="889581"/>
+            <a:ext cx="3430311" cy="991974"/>
+          </a:xfrm>
+          <a:prstGeom prst="rect">
+            <a:avLst/>
+          </a:prstGeom>
+        </p:spPr>
+      </p:pic>
+      <p:sp>
+        <p:nvSpPr>
+          <p:cNvPr id="8" name="TextBox 7">
+            <a:extLst>
+              <a:ext uri="{FF2B5EF4-FFF2-40B4-BE49-F238E27FC236}">
+                <a16:creationId xmlns:a16="http://schemas.microsoft.com/office/drawing/2014/main" id="{5DEA5EAC-F066-4934-BEAF-D8A7AA2A57D9}"/>
               </a:ext>
             </a:extLst>
           </p:cNvPr>
@@ -4102,7 +6041,7 @@
         </p:nvSpPr>
         <p:spPr>
           <a:xfrm>
-            <a:off x="827583" y="612581"/>
+            <a:off x="4656636" y="612580"/>
             <a:ext cx="2097031" cy="276999"/>
           </a:xfrm>
           <a:prstGeom prst="rect">
@@ -4121,7 +6060,7 @@
                 <a:latin typeface="KoPub돋움체 Bold" panose="02020603020101020101" pitchFamily="18" charset="-127"/>
                 <a:ea typeface="KoPub돋움체 Bold" panose="02020603020101020101" pitchFamily="18" charset="-127"/>
               </a:rPr>
-              <a:t>2019</a:t>
+              <a:t>2017</a:t>
             </a:r>
             <a:r>
               <a:rPr lang="ko-KR" altLang="en-US" sz="1200" dirty="0">
@@ -4135,7 +6074,7 @@
                 <a:latin typeface="KoPub돋움체 Bold" panose="02020603020101020101" pitchFamily="18" charset="-127"/>
                 <a:ea typeface="KoPub돋움체 Bold" panose="02020603020101020101" pitchFamily="18" charset="-127"/>
               </a:rPr>
-              <a:t>1</a:t>
+              <a:t>2</a:t>
             </a:r>
             <a:r>
               <a:rPr lang="ko-KR" altLang="en-US" sz="1200" dirty="0">
@@ -4150,7 +6089,94 @@
     </p:spTree>
     <p:extLst>
       <p:ext uri="{BB962C8B-B14F-4D97-AF65-F5344CB8AC3E}">
-        <p14:creationId xmlns:p14="http://schemas.microsoft.com/office/powerpoint/2010/main" val="483452587"/>
+        <p14:creationId xmlns:p14="http://schemas.microsoft.com/office/powerpoint/2010/main" val="983157799"/>
+      </p:ext>
+    </p:extLst>
+  </p:cSld>
+  <p:clrMapOvr>
+    <a:masterClrMapping/>
+  </p:clrMapOvr>
+</p:sld>
+</file>
+
+<file path=ppt/slides/slide9.xml><?xml version="1.0" encoding="utf-8"?>
+<p:sld xmlns:a="http://schemas.openxmlformats.org/drawingml/2006/main" xmlns:r="http://schemas.openxmlformats.org/officeDocument/2006/relationships" xmlns:p="http://schemas.openxmlformats.org/presentationml/2006/main">
+  <p:cSld>
+    <p:spTree>
+      <p:nvGrpSpPr>
+        <p:cNvPr id="1" name=""/>
+        <p:cNvGrpSpPr/>
+        <p:nvPr/>
+      </p:nvGrpSpPr>
+      <p:grpSpPr>
+        <a:xfrm>
+          <a:off x="0" y="0"/>
+          <a:ext cx="0" cy="0"/>
+          <a:chOff x="0" y="0"/>
+          <a:chExt cx="0" cy="0"/>
+        </a:xfrm>
+      </p:grpSpPr>
+      <p:sp>
+        <p:nvSpPr>
+          <p:cNvPr id="4" name="TextBox 3">
+            <a:extLst>
+              <a:ext uri="{FF2B5EF4-FFF2-40B4-BE49-F238E27FC236}">
+                <a16:creationId xmlns:a16="http://schemas.microsoft.com/office/drawing/2014/main" id="{AE2D8C9B-8D25-4937-BDCF-C250B7D4D721}"/>
+              </a:ext>
+            </a:extLst>
+          </p:cNvPr>
+          <p:cNvSpPr txBox="1"/>
+          <p:nvPr/>
+        </p:nvSpPr>
+        <p:spPr>
+          <a:xfrm>
+            <a:off x="2705832" y="3075057"/>
+            <a:ext cx="6780335" cy="707886"/>
+          </a:xfrm>
+          <a:prstGeom prst="rect">
+            <a:avLst/>
+          </a:prstGeom>
+          <a:noFill/>
+        </p:spPr>
+        <p:txBody>
+          <a:bodyPr wrap="square" rtlCol="0">
+            <a:spAutoFit/>
+          </a:bodyPr>
+          <a:lstStyle/>
+          <a:p>
+            <a:pPr algn="ctr"/>
+            <a:r>
+              <a:rPr lang="en-US" altLang="ko-KR" sz="4000" dirty="0">
+                <a:latin typeface="KoPub돋움체 Bold" panose="02020603020101020101" pitchFamily="18" charset="-127"/>
+                <a:ea typeface="KoPub돋움체 Bold" panose="02020603020101020101" pitchFamily="18" charset="-127"/>
+              </a:rPr>
+              <a:t>1.4 </a:t>
+            </a:r>
+            <a:r>
+              <a:rPr lang="ko-KR" altLang="en-US" sz="4000" dirty="0">
+                <a:latin typeface="KoPub돋움체 Bold" panose="02020603020101020101" pitchFamily="18" charset="-127"/>
+                <a:ea typeface="KoPub돋움체 Bold" panose="02020603020101020101" pitchFamily="18" charset="-127"/>
+              </a:rPr>
+              <a:t>우리나라의 미래는 </a:t>
+            </a:r>
+            <a:r>
+              <a:rPr lang="ko-KR" altLang="en-US" sz="4000" dirty="0" err="1">
+                <a:latin typeface="KoPub돋움체 Bold" panose="02020603020101020101" pitchFamily="18" charset="-127"/>
+                <a:ea typeface="KoPub돋움체 Bold" panose="02020603020101020101" pitchFamily="18" charset="-127"/>
+              </a:rPr>
+              <a:t>어떠한가</a:t>
+            </a:r>
+            <a:endParaRPr lang="en-US" altLang="ko-KR" sz="2000" dirty="0">
+              <a:latin typeface="KoPub돋움체 Bold" panose="02020603020101020101" pitchFamily="18" charset="-127"/>
+              <a:ea typeface="KoPub돋움체 Bold" panose="02020603020101020101" pitchFamily="18" charset="-127"/>
+            </a:endParaRPr>
+          </a:p>
+        </p:txBody>
+      </p:sp>
+    </p:spTree>
+    <p:extLst>
+      <p:ext uri="{BB962C8B-B14F-4D97-AF65-F5344CB8AC3E}">
+        <p14:creationId xmlns:p14="http://schemas.microsoft.com/office/powerpoint/2010/main" val="22566427"/>
       </p:ext>
     </p:extLst>
   </p:cSld>
